--- a/project_report.pptx
+++ b/project_report.pptx
@@ -5,24 +5,30 @@
     <p:sldMasterId id="2147483660" r:id="rId1"/>
   </p:sldMasterIdLst>
   <p:notesMasterIdLst>
-    <p:notesMasterId r:id="rId17"/>
+    <p:notesMasterId r:id="rId23"/>
   </p:notesMasterIdLst>
   <p:sldIdLst>
     <p:sldId id="256" r:id="rId2"/>
     <p:sldId id="257" r:id="rId3"/>
     <p:sldId id="258" r:id="rId4"/>
-    <p:sldId id="265" r:id="rId5"/>
-    <p:sldId id="266" r:id="rId6"/>
-    <p:sldId id="275" r:id="rId7"/>
-    <p:sldId id="283" r:id="rId8"/>
-    <p:sldId id="284" r:id="rId9"/>
-    <p:sldId id="285" r:id="rId10"/>
-    <p:sldId id="282" r:id="rId11"/>
-    <p:sldId id="286" r:id="rId12"/>
-    <p:sldId id="287" r:id="rId13"/>
-    <p:sldId id="288" r:id="rId14"/>
-    <p:sldId id="260" r:id="rId15"/>
-    <p:sldId id="267" r:id="rId16"/>
+    <p:sldId id="290" r:id="rId5"/>
+    <p:sldId id="291" r:id="rId6"/>
+    <p:sldId id="265" r:id="rId7"/>
+    <p:sldId id="266" r:id="rId8"/>
+    <p:sldId id="292" r:id="rId9"/>
+    <p:sldId id="275" r:id="rId10"/>
+    <p:sldId id="283" r:id="rId11"/>
+    <p:sldId id="284" r:id="rId12"/>
+    <p:sldId id="285" r:id="rId13"/>
+    <p:sldId id="282" r:id="rId14"/>
+    <p:sldId id="286" r:id="rId15"/>
+    <p:sldId id="287" r:id="rId16"/>
+    <p:sldId id="288" r:id="rId17"/>
+    <p:sldId id="293" r:id="rId18"/>
+    <p:sldId id="294" r:id="rId19"/>
+    <p:sldId id="295" r:id="rId20"/>
+    <p:sldId id="260" r:id="rId21"/>
+    <p:sldId id="267" r:id="rId22"/>
   </p:sldIdLst>
   <p:sldSz cx="12192000" cy="6858000"/>
   <p:notesSz cx="6858000" cy="9144000"/>
@@ -6320,10 +6326,10 @@
       </p:grpSpPr>
       <p:sp>
         <p:nvSpPr>
-          <p:cNvPr id="2" name="Title 1">
+          <p:cNvPr id="6" name="Title 5">
             <a:extLst>
               <a:ext uri="{FF2B5EF4-FFF2-40B4-BE49-F238E27FC236}">
-                <a16:creationId xmlns:a16="http://schemas.microsoft.com/office/drawing/2014/main" id="{051CE146-45EF-9947-47C9-86FF29FDB35D}"/>
+                <a16:creationId xmlns:a16="http://schemas.microsoft.com/office/drawing/2014/main" id="{6CE6A214-F671-652C-E904-D3EEBD96CB19}"/>
               </a:ext>
             </a:extLst>
           </p:cNvPr>
@@ -6341,17 +6347,17 @@
           <a:p>
             <a:r>
               <a:rPr lang="en-US" dirty="0"/>
-              <a:t>Best Result Laplacian</a:t>
-            </a:r>
-          </a:p>
-        </p:txBody>
-      </p:sp>
-      <p:sp>
-        <p:nvSpPr>
-          <p:cNvPr id="3" name="Content Placeholder 2">
+              <a:t>Observations – Variance All Layers</a:t>
+            </a:r>
+          </a:p>
+        </p:txBody>
+      </p:sp>
+      <p:sp>
+        <p:nvSpPr>
+          <p:cNvPr id="7" name="Content Placeholder 6">
             <a:extLst>
               <a:ext uri="{FF2B5EF4-FFF2-40B4-BE49-F238E27FC236}">
-                <a16:creationId xmlns:a16="http://schemas.microsoft.com/office/drawing/2014/main" id="{D3D570C5-97DA-D245-0DBF-B43DAE650B50}"/>
+                <a16:creationId xmlns:a16="http://schemas.microsoft.com/office/drawing/2014/main" id="{99B16345-D877-FE81-27F0-BC411183D798}"/>
               </a:ext>
             </a:extLst>
           </p:cNvPr>
@@ -6364,69 +6370,69 @@
         </p:nvSpPr>
         <p:spPr/>
         <p:txBody>
-          <a:bodyPr/>
+          <a:bodyPr>
+            <a:normAutofit fontScale="92500" lnSpcReduction="20000"/>
+          </a:bodyPr>
           <a:lstStyle/>
           <a:p>
             <a:r>
               <a:rPr lang="en-US" dirty="0"/>
-              <a:t>Use 4 layers where </a:t>
-            </a:r>
-            <a:r>
-              <a:rPr lang="en-US" u="sng" dirty="0"/>
-              <a:t>layer 1 is the smallest and 4 is the largest</a:t>
-            </a:r>
+              <a:t>Number of Layers = 1   12.3390</a:t>
+            </a:r>
+          </a:p>
+          <a:p>
+            <a:endParaRPr lang="en-US" dirty="0"/>
+          </a:p>
+          <a:p>
             <a:r>
               <a:rPr lang="en-US" dirty="0"/>
-              <a:t>. The Laplacian pyramid toolbox outputs the layers in order from smallest to largest. </a:t>
-            </a:r>
-          </a:p>
-          <a:p>
-            <a:pPr lvl="1"/>
+              <a:t>Number of Layers = 2   39.7458</a:t>
+            </a:r>
+          </a:p>
+          <a:p>
+            <a:endParaRPr lang="en-US" dirty="0"/>
+          </a:p>
+          <a:p>
             <a:r>
               <a:rPr lang="en-US" dirty="0"/>
-              <a:t>Mean of layer 1</a:t>
-            </a:r>
-          </a:p>
-          <a:p>
-            <a:pPr lvl="1"/>
+              <a:t>Number of Layers = 3   50.5932</a:t>
+            </a:r>
+          </a:p>
+          <a:p>
+            <a:endParaRPr lang="en-US" dirty="0"/>
+          </a:p>
+          <a:p>
             <a:r>
               <a:rPr lang="en-US" dirty="0"/>
-              <a:t>Variance of all layers</a:t>
-            </a:r>
-          </a:p>
-          <a:p>
-            <a:pPr lvl="1"/>
+              <a:t>Number of Layers = 4   56.0169</a:t>
+            </a:r>
+          </a:p>
+          <a:p>
+            <a:endParaRPr lang="en-US" dirty="0"/>
+          </a:p>
+          <a:p>
             <a:r>
               <a:rPr lang="en-US" dirty="0"/>
-              <a:t>Skew of layers 2 through 4</a:t>
-            </a:r>
-          </a:p>
-          <a:p>
-            <a:pPr lvl="1"/>
+              <a:t>Number of Layers = 5   54.4068</a:t>
+            </a:r>
+          </a:p>
+          <a:p>
+            <a:endParaRPr lang="en-US" dirty="0"/>
+          </a:p>
+          <a:p>
             <a:r>
               <a:rPr lang="en-US" dirty="0"/>
-              <a:t>Kurtosis of layers 2 through 4</a:t>
-            </a:r>
-          </a:p>
-          <a:p>
-            <a:r>
-              <a:rPr lang="en-US" dirty="0"/>
-              <a:t>PCC = </a:t>
-            </a:r>
-            <a:r>
-              <a:rPr lang="en-US"/>
-              <a:t>74.76%</a:t>
-            </a:r>
-            <a:endParaRPr lang="en-US" dirty="0"/>
-          </a:p>
-        </p:txBody>
-      </p:sp>
-      <p:sp>
-        <p:nvSpPr>
-          <p:cNvPr id="4" name="Slide Number Placeholder 3">
+              <a:t>Best Laplacian PCC is 56.020000% accurate with 4 Layers</a:t>
+            </a:r>
+          </a:p>
+        </p:txBody>
+      </p:sp>
+      <p:sp>
+        <p:nvSpPr>
+          <p:cNvPr id="5" name="Slide Number Placeholder 4">
             <a:extLst>
               <a:ext uri="{FF2B5EF4-FFF2-40B4-BE49-F238E27FC236}">
-                <a16:creationId xmlns:a16="http://schemas.microsoft.com/office/drawing/2014/main" id="{6F1A3A8E-FCEA-909B-B4F5-16DCBAC0DA8C}"/>
+                <a16:creationId xmlns:a16="http://schemas.microsoft.com/office/drawing/2014/main" id="{BDC554BC-4CE8-6077-7D9B-5B1B66D1817A}"/>
               </a:ext>
             </a:extLst>
           </p:cNvPr>
@@ -6446,14 +6452,14 @@
               <a:rPr lang="en-US" smtClean="0"/>
               <a:t>10</a:t>
             </a:fld>
-            <a:endParaRPr lang="en-US" dirty="0"/>
+            <a:endParaRPr lang="en-US"/>
           </a:p>
         </p:txBody>
       </p:sp>
     </p:spTree>
     <p:extLst>
       <p:ext uri="{BB962C8B-B14F-4D97-AF65-F5344CB8AC3E}">
-        <p14:creationId xmlns:p14="http://schemas.microsoft.com/office/powerpoint/2010/main" val="1671826336"/>
+        <p14:creationId xmlns:p14="http://schemas.microsoft.com/office/powerpoint/2010/main" val="387152840"/>
       </p:ext>
     </p:extLst>
   </p:cSld>
@@ -6485,7 +6491,7 @@
           <p:cNvPr id="2" name="Title 1">
             <a:extLst>
               <a:ext uri="{FF2B5EF4-FFF2-40B4-BE49-F238E27FC236}">
-                <a16:creationId xmlns:a16="http://schemas.microsoft.com/office/drawing/2014/main" id="{277D30B6-8EC6-67D2-84E6-BCD2FDC884FB}"/>
+                <a16:creationId xmlns:a16="http://schemas.microsoft.com/office/drawing/2014/main" id="{B1030559-28BB-66AD-2F26-8ABF17004FD0}"/>
               </a:ext>
             </a:extLst>
           </p:cNvPr>
@@ -6503,7 +6509,7 @@
           <a:p>
             <a:r>
               <a:rPr lang="en-US" dirty="0"/>
-              <a:t>Mislabel Observations – Laplacian </a:t>
+              <a:t>Observations – Skew all layers</a:t>
             </a:r>
           </a:p>
         </p:txBody>
@@ -6513,7 +6519,7 @@
           <p:cNvPr id="3" name="Content Placeholder 2">
             <a:extLst>
               <a:ext uri="{FF2B5EF4-FFF2-40B4-BE49-F238E27FC236}">
-                <a16:creationId xmlns:a16="http://schemas.microsoft.com/office/drawing/2014/main" id="{83C88D35-7A94-EA99-97FC-BA8AE38FFEA8}"/>
+                <a16:creationId xmlns:a16="http://schemas.microsoft.com/office/drawing/2014/main" id="{14C757AF-FC5C-6B9C-B060-0C4B046AF918}"/>
               </a:ext>
             </a:extLst>
           </p:cNvPr>
@@ -6526,45 +6532,59 @@
         </p:nvSpPr>
         <p:spPr/>
         <p:txBody>
-          <a:bodyPr/>
+          <a:bodyPr>
+            <a:normAutofit fontScale="92500" lnSpcReduction="20000"/>
+          </a:bodyPr>
           <a:lstStyle/>
           <a:p>
             <a:r>
               <a:rPr lang="en-US" dirty="0"/>
-              <a:t>After obtaining the above results, I checked which textures are misclassified and what the most common misclassification label is</a:t>
-            </a:r>
+              <a:t>Number of Layers = 1   15.7288</a:t>
+            </a:r>
+          </a:p>
+          <a:p>
+            <a:endParaRPr lang="en-US" dirty="0"/>
           </a:p>
           <a:p>
             <a:r>
               <a:rPr lang="en-US" dirty="0"/>
-              <a:t>The most common misclassifications were in textures 32, 33, and 39, shown next slide</a:t>
-            </a:r>
-          </a:p>
-          <a:p>
-            <a:pPr lvl="1"/>
+              <a:t>Number of Layers = 2   26.9322</a:t>
+            </a:r>
+          </a:p>
+          <a:p>
+            <a:endParaRPr lang="en-US" dirty="0"/>
+          </a:p>
+          <a:p>
             <a:r>
               <a:rPr lang="en-US" dirty="0"/>
-              <a:t>Texture 32 was classified as texture 34 a total of 37 times</a:t>
-            </a:r>
-          </a:p>
-          <a:p>
-            <a:pPr lvl="1"/>
+              <a:t>Number of Layers = 3   32.3559</a:t>
+            </a:r>
+          </a:p>
+          <a:p>
+            <a:endParaRPr lang="en-US" dirty="0"/>
+          </a:p>
+          <a:p>
             <a:r>
               <a:rPr lang="en-US" dirty="0"/>
-              <a:t>Texture 33 was classified as texture 32 a total of 41 times</a:t>
-            </a:r>
-          </a:p>
-          <a:p>
-            <a:pPr lvl="1"/>
+              <a:t>Number of Layers = 4   26.2542</a:t>
+            </a:r>
+          </a:p>
+          <a:p>
+            <a:endParaRPr lang="en-US" dirty="0"/>
+          </a:p>
+          <a:p>
             <a:r>
               <a:rPr lang="en-US" dirty="0"/>
-              <a:t>Texture 39 was classified as texture 40 a total of 36 times</a:t>
-            </a:r>
+              <a:t>Number of Layers = 5   17.4068</a:t>
+            </a:r>
+          </a:p>
+          <a:p>
+            <a:endParaRPr lang="en-US" dirty="0"/>
           </a:p>
           <a:p>
             <a:r>
               <a:rPr lang="en-US" dirty="0"/>
-              <a:t>As seen next slide, these textures are quite similar.</a:t>
+              <a:t>Best Laplacian PCC is 32.360000% accurate with 3 Layers</a:t>
             </a:r>
           </a:p>
         </p:txBody>
@@ -6574,7 +6594,7 @@
           <p:cNvPr id="4" name="Slide Number Placeholder 3">
             <a:extLst>
               <a:ext uri="{FF2B5EF4-FFF2-40B4-BE49-F238E27FC236}">
-                <a16:creationId xmlns:a16="http://schemas.microsoft.com/office/drawing/2014/main" id="{73F48D88-93B9-F5D3-3A6F-D8C4BC79530E}"/>
+                <a16:creationId xmlns:a16="http://schemas.microsoft.com/office/drawing/2014/main" id="{C0BF565F-E842-C37C-3FE0-F887D90695AC}"/>
               </a:ext>
             </a:extLst>
           </p:cNvPr>
@@ -6601,7 +6621,7 @@
     </p:spTree>
     <p:extLst>
       <p:ext uri="{BB962C8B-B14F-4D97-AF65-F5344CB8AC3E}">
-        <p14:creationId xmlns:p14="http://schemas.microsoft.com/office/powerpoint/2010/main" val="3350194071"/>
+        <p14:creationId xmlns:p14="http://schemas.microsoft.com/office/powerpoint/2010/main" val="1010374374"/>
       </p:ext>
     </p:extLst>
   </p:cSld>
@@ -6633,6 +6653,473 @@
           <p:cNvPr id="2" name="Title 1">
             <a:extLst>
               <a:ext uri="{FF2B5EF4-FFF2-40B4-BE49-F238E27FC236}">
+                <a16:creationId xmlns:a16="http://schemas.microsoft.com/office/drawing/2014/main" id="{F5212A34-2FCD-8ED9-70E7-1B09E675CF32}"/>
+              </a:ext>
+            </a:extLst>
+          </p:cNvPr>
+          <p:cNvSpPr>
+            <a:spLocks noGrp="1"/>
+          </p:cNvSpPr>
+          <p:nvPr>
+            <p:ph type="title"/>
+          </p:nvPr>
+        </p:nvSpPr>
+        <p:spPr/>
+        <p:txBody>
+          <a:bodyPr/>
+          <a:lstStyle/>
+          <a:p>
+            <a:r>
+              <a:rPr lang="en-US" dirty="0"/>
+              <a:t>Observations – Kurtosis all layers</a:t>
+            </a:r>
+          </a:p>
+        </p:txBody>
+      </p:sp>
+      <p:sp>
+        <p:nvSpPr>
+          <p:cNvPr id="3" name="Content Placeholder 2">
+            <a:extLst>
+              <a:ext uri="{FF2B5EF4-FFF2-40B4-BE49-F238E27FC236}">
+                <a16:creationId xmlns:a16="http://schemas.microsoft.com/office/drawing/2014/main" id="{15F0A204-B8E5-F70E-9B04-D59B3BB9824C}"/>
+              </a:ext>
+            </a:extLst>
+          </p:cNvPr>
+          <p:cNvSpPr>
+            <a:spLocks noGrp="1"/>
+          </p:cNvSpPr>
+          <p:nvPr>
+            <p:ph idx="1"/>
+          </p:nvPr>
+        </p:nvSpPr>
+        <p:spPr/>
+        <p:txBody>
+          <a:bodyPr>
+            <a:normAutofit fontScale="92500" lnSpcReduction="20000"/>
+          </a:bodyPr>
+          <a:lstStyle/>
+          <a:p>
+            <a:r>
+              <a:rPr lang="en-US" dirty="0"/>
+              <a:t>Number of Layers = 1   14.8305</a:t>
+            </a:r>
+          </a:p>
+          <a:p>
+            <a:endParaRPr lang="en-US" dirty="0"/>
+          </a:p>
+          <a:p>
+            <a:r>
+              <a:rPr lang="en-US" dirty="0"/>
+              <a:t>Number of Layers = 2   33.8305</a:t>
+            </a:r>
+          </a:p>
+          <a:p>
+            <a:endParaRPr lang="en-US" dirty="0"/>
+          </a:p>
+          <a:p>
+            <a:r>
+              <a:rPr lang="en-US" dirty="0"/>
+              <a:t>Number of Layers = 3   34.1695</a:t>
+            </a:r>
+          </a:p>
+          <a:p>
+            <a:endParaRPr lang="en-US" dirty="0"/>
+          </a:p>
+          <a:p>
+            <a:r>
+              <a:rPr lang="en-US" dirty="0"/>
+              <a:t>Number of Layers = 4   21.0339</a:t>
+            </a:r>
+          </a:p>
+          <a:p>
+            <a:endParaRPr lang="en-US" dirty="0"/>
+          </a:p>
+          <a:p>
+            <a:r>
+              <a:rPr lang="en-US" dirty="0"/>
+              <a:t>Number of Layers = 5   15.1525</a:t>
+            </a:r>
+          </a:p>
+          <a:p>
+            <a:endParaRPr lang="en-US" dirty="0"/>
+          </a:p>
+          <a:p>
+            <a:r>
+              <a:rPr lang="en-US" dirty="0"/>
+              <a:t>Best Laplacian PCC is 34.170000% accurate with 3 Layers</a:t>
+            </a:r>
+          </a:p>
+        </p:txBody>
+      </p:sp>
+      <p:sp>
+        <p:nvSpPr>
+          <p:cNvPr id="4" name="Slide Number Placeholder 3">
+            <a:extLst>
+              <a:ext uri="{FF2B5EF4-FFF2-40B4-BE49-F238E27FC236}">
+                <a16:creationId xmlns:a16="http://schemas.microsoft.com/office/drawing/2014/main" id="{8AD134FF-C139-1E4F-41C0-DACB8E5B52B8}"/>
+              </a:ext>
+            </a:extLst>
+          </p:cNvPr>
+          <p:cNvSpPr>
+            <a:spLocks noGrp="1"/>
+          </p:cNvSpPr>
+          <p:nvPr>
+            <p:ph type="sldNum" sz="quarter" idx="12"/>
+          </p:nvPr>
+        </p:nvSpPr>
+        <p:spPr/>
+        <p:txBody>
+          <a:bodyPr/>
+          <a:lstStyle/>
+          <a:p>
+            <a:fld id="{FAE858A7-4E67-4370-B4B5-094CAEAE4D8D}" type="slidenum">
+              <a:rPr lang="en-US" smtClean="0"/>
+              <a:t>12</a:t>
+            </a:fld>
+            <a:endParaRPr lang="en-US"/>
+          </a:p>
+        </p:txBody>
+      </p:sp>
+    </p:spTree>
+    <p:extLst>
+      <p:ext uri="{BB962C8B-B14F-4D97-AF65-F5344CB8AC3E}">
+        <p14:creationId xmlns:p14="http://schemas.microsoft.com/office/powerpoint/2010/main" val="2551005335"/>
+      </p:ext>
+    </p:extLst>
+  </p:cSld>
+  <p:clrMapOvr>
+    <a:masterClrMapping/>
+  </p:clrMapOvr>
+</p:sld>
+</file>
+
+<file path=ppt/slides/slide13.xml><?xml version="1.0" encoding="utf-8"?>
+<p:sld xmlns:a="http://schemas.openxmlformats.org/drawingml/2006/main" xmlns:r="http://schemas.openxmlformats.org/officeDocument/2006/relationships" xmlns:p="http://schemas.openxmlformats.org/presentationml/2006/main">
+  <p:cSld>
+    <p:spTree>
+      <p:nvGrpSpPr>
+        <p:cNvPr id="1" name=""/>
+        <p:cNvGrpSpPr/>
+        <p:nvPr/>
+      </p:nvGrpSpPr>
+      <p:grpSpPr>
+        <a:xfrm>
+          <a:off x="0" y="0"/>
+          <a:ext cx="0" cy="0"/>
+          <a:chOff x="0" y="0"/>
+          <a:chExt cx="0" cy="0"/>
+        </a:xfrm>
+      </p:grpSpPr>
+      <p:sp>
+        <p:nvSpPr>
+          <p:cNvPr id="2" name="Title 1">
+            <a:extLst>
+              <a:ext uri="{FF2B5EF4-FFF2-40B4-BE49-F238E27FC236}">
+                <a16:creationId xmlns:a16="http://schemas.microsoft.com/office/drawing/2014/main" id="{051CE146-45EF-9947-47C9-86FF29FDB35D}"/>
+              </a:ext>
+            </a:extLst>
+          </p:cNvPr>
+          <p:cNvSpPr>
+            <a:spLocks noGrp="1"/>
+          </p:cNvSpPr>
+          <p:nvPr>
+            <p:ph type="title"/>
+          </p:nvPr>
+        </p:nvSpPr>
+        <p:spPr/>
+        <p:txBody>
+          <a:bodyPr/>
+          <a:lstStyle/>
+          <a:p>
+            <a:r>
+              <a:rPr lang="en-US" dirty="0"/>
+              <a:t>Best Result Laplacian</a:t>
+            </a:r>
+          </a:p>
+        </p:txBody>
+      </p:sp>
+      <p:sp>
+        <p:nvSpPr>
+          <p:cNvPr id="3" name="Content Placeholder 2">
+            <a:extLst>
+              <a:ext uri="{FF2B5EF4-FFF2-40B4-BE49-F238E27FC236}">
+                <a16:creationId xmlns:a16="http://schemas.microsoft.com/office/drawing/2014/main" id="{D3D570C5-97DA-D245-0DBF-B43DAE650B50}"/>
+              </a:ext>
+            </a:extLst>
+          </p:cNvPr>
+          <p:cNvSpPr>
+            <a:spLocks noGrp="1"/>
+          </p:cNvSpPr>
+          <p:nvPr>
+            <p:ph idx="1"/>
+          </p:nvPr>
+        </p:nvSpPr>
+        <p:spPr/>
+        <p:txBody>
+          <a:bodyPr/>
+          <a:lstStyle/>
+          <a:p>
+            <a:r>
+              <a:rPr lang="en-US" dirty="0"/>
+              <a:t>Use 4 layers where </a:t>
+            </a:r>
+            <a:r>
+              <a:rPr lang="en-US" u="sng" dirty="0"/>
+              <a:t>layer 1 is the smallest and 4 is the largest</a:t>
+            </a:r>
+            <a:r>
+              <a:rPr lang="en-US" dirty="0"/>
+              <a:t>. The Laplacian pyramid toolbox outputs the layers in this format. After tuning, the following parameters were chosen.</a:t>
+            </a:r>
+          </a:p>
+          <a:p>
+            <a:pPr lvl="1"/>
+            <a:r>
+              <a:rPr lang="en-US" dirty="0"/>
+              <a:t>Mean of layer 1</a:t>
+            </a:r>
+          </a:p>
+          <a:p>
+            <a:pPr lvl="1"/>
+            <a:r>
+              <a:rPr lang="en-US" dirty="0"/>
+              <a:t>Variance of all layers</a:t>
+            </a:r>
+          </a:p>
+          <a:p>
+            <a:pPr lvl="1"/>
+            <a:r>
+              <a:rPr lang="en-US" dirty="0"/>
+              <a:t>Skew of layers 2 through 4</a:t>
+            </a:r>
+          </a:p>
+          <a:p>
+            <a:pPr lvl="1"/>
+            <a:r>
+              <a:rPr lang="en-US" dirty="0"/>
+              <a:t>Kurtosis of layers 2 through 4</a:t>
+            </a:r>
+          </a:p>
+          <a:p>
+            <a:r>
+              <a:rPr lang="en-US" dirty="0"/>
+              <a:t>PCC = 74.76%</a:t>
+            </a:r>
+          </a:p>
+        </p:txBody>
+      </p:sp>
+      <p:sp>
+        <p:nvSpPr>
+          <p:cNvPr id="4" name="Slide Number Placeholder 3">
+            <a:extLst>
+              <a:ext uri="{FF2B5EF4-FFF2-40B4-BE49-F238E27FC236}">
+                <a16:creationId xmlns:a16="http://schemas.microsoft.com/office/drawing/2014/main" id="{6F1A3A8E-FCEA-909B-B4F5-16DCBAC0DA8C}"/>
+              </a:ext>
+            </a:extLst>
+          </p:cNvPr>
+          <p:cNvSpPr>
+            <a:spLocks noGrp="1"/>
+          </p:cNvSpPr>
+          <p:nvPr>
+            <p:ph type="sldNum" sz="quarter" idx="12"/>
+          </p:nvPr>
+        </p:nvSpPr>
+        <p:spPr/>
+        <p:txBody>
+          <a:bodyPr/>
+          <a:lstStyle/>
+          <a:p>
+            <a:fld id="{FAE858A7-4E67-4370-B4B5-094CAEAE4D8D}" type="slidenum">
+              <a:rPr lang="en-US" smtClean="0"/>
+              <a:t>13</a:t>
+            </a:fld>
+            <a:endParaRPr lang="en-US" dirty="0"/>
+          </a:p>
+        </p:txBody>
+      </p:sp>
+    </p:spTree>
+    <p:extLst>
+      <p:ext uri="{BB962C8B-B14F-4D97-AF65-F5344CB8AC3E}">
+        <p14:creationId xmlns:p14="http://schemas.microsoft.com/office/powerpoint/2010/main" val="1671826336"/>
+      </p:ext>
+    </p:extLst>
+  </p:cSld>
+  <p:clrMapOvr>
+    <a:masterClrMapping/>
+  </p:clrMapOvr>
+</p:sld>
+</file>
+
+<file path=ppt/slides/slide14.xml><?xml version="1.0" encoding="utf-8"?>
+<p:sld xmlns:a="http://schemas.openxmlformats.org/drawingml/2006/main" xmlns:r="http://schemas.openxmlformats.org/officeDocument/2006/relationships" xmlns:p="http://schemas.openxmlformats.org/presentationml/2006/main">
+  <p:cSld>
+    <p:spTree>
+      <p:nvGrpSpPr>
+        <p:cNvPr id="1" name=""/>
+        <p:cNvGrpSpPr/>
+        <p:nvPr/>
+      </p:nvGrpSpPr>
+      <p:grpSpPr>
+        <a:xfrm>
+          <a:off x="0" y="0"/>
+          <a:ext cx="0" cy="0"/>
+          <a:chOff x="0" y="0"/>
+          <a:chExt cx="0" cy="0"/>
+        </a:xfrm>
+      </p:grpSpPr>
+      <p:sp>
+        <p:nvSpPr>
+          <p:cNvPr id="2" name="Title 1">
+            <a:extLst>
+              <a:ext uri="{FF2B5EF4-FFF2-40B4-BE49-F238E27FC236}">
+                <a16:creationId xmlns:a16="http://schemas.microsoft.com/office/drawing/2014/main" id="{277D30B6-8EC6-67D2-84E6-BCD2FDC884FB}"/>
+              </a:ext>
+            </a:extLst>
+          </p:cNvPr>
+          <p:cNvSpPr>
+            <a:spLocks noGrp="1"/>
+          </p:cNvSpPr>
+          <p:nvPr>
+            <p:ph type="title"/>
+          </p:nvPr>
+        </p:nvSpPr>
+        <p:spPr/>
+        <p:txBody>
+          <a:bodyPr/>
+          <a:lstStyle/>
+          <a:p>
+            <a:r>
+              <a:rPr lang="en-US" dirty="0"/>
+              <a:t>Mislabel Observations – Laplacian </a:t>
+            </a:r>
+          </a:p>
+        </p:txBody>
+      </p:sp>
+      <p:sp>
+        <p:nvSpPr>
+          <p:cNvPr id="3" name="Content Placeholder 2">
+            <a:extLst>
+              <a:ext uri="{FF2B5EF4-FFF2-40B4-BE49-F238E27FC236}">
+                <a16:creationId xmlns:a16="http://schemas.microsoft.com/office/drawing/2014/main" id="{83C88D35-7A94-EA99-97FC-BA8AE38FFEA8}"/>
+              </a:ext>
+            </a:extLst>
+          </p:cNvPr>
+          <p:cNvSpPr>
+            <a:spLocks noGrp="1"/>
+          </p:cNvSpPr>
+          <p:nvPr>
+            <p:ph idx="1"/>
+          </p:nvPr>
+        </p:nvSpPr>
+        <p:spPr/>
+        <p:txBody>
+          <a:bodyPr/>
+          <a:lstStyle/>
+          <a:p>
+            <a:r>
+              <a:rPr lang="en-US" dirty="0"/>
+              <a:t>After obtaining the results, I checked which textures are misclassified and what the most common misclassification label is for layer 4. </a:t>
+            </a:r>
+          </a:p>
+          <a:p>
+            <a:r>
+              <a:rPr lang="en-US" dirty="0"/>
+              <a:t>The most common misclassifications were in textures 32, 33, and 39, shown next slide</a:t>
+            </a:r>
+          </a:p>
+          <a:p>
+            <a:pPr lvl="1"/>
+            <a:r>
+              <a:rPr lang="en-US" dirty="0"/>
+              <a:t>Texture 32 was classified as texture 34 a total of 37 times</a:t>
+            </a:r>
+          </a:p>
+          <a:p>
+            <a:pPr lvl="1"/>
+            <a:r>
+              <a:rPr lang="en-US" dirty="0"/>
+              <a:t>Texture 33 was classified as texture 32 a total of 41 times</a:t>
+            </a:r>
+          </a:p>
+          <a:p>
+            <a:pPr lvl="1"/>
+            <a:r>
+              <a:rPr lang="en-US" dirty="0"/>
+              <a:t>Texture 39 was classified as texture 40 a total of 36 times</a:t>
+            </a:r>
+          </a:p>
+          <a:p>
+            <a:r>
+              <a:rPr lang="en-US" dirty="0"/>
+              <a:t>As seen next slide, these textures are quite similar.</a:t>
+            </a:r>
+          </a:p>
+        </p:txBody>
+      </p:sp>
+      <p:sp>
+        <p:nvSpPr>
+          <p:cNvPr id="4" name="Slide Number Placeholder 3">
+            <a:extLst>
+              <a:ext uri="{FF2B5EF4-FFF2-40B4-BE49-F238E27FC236}">
+                <a16:creationId xmlns:a16="http://schemas.microsoft.com/office/drawing/2014/main" id="{73F48D88-93B9-F5D3-3A6F-D8C4BC79530E}"/>
+              </a:ext>
+            </a:extLst>
+          </p:cNvPr>
+          <p:cNvSpPr>
+            <a:spLocks noGrp="1"/>
+          </p:cNvSpPr>
+          <p:nvPr>
+            <p:ph type="sldNum" sz="quarter" idx="12"/>
+          </p:nvPr>
+        </p:nvSpPr>
+        <p:spPr/>
+        <p:txBody>
+          <a:bodyPr/>
+          <a:lstStyle/>
+          <a:p>
+            <a:fld id="{FAE858A7-4E67-4370-B4B5-094CAEAE4D8D}" type="slidenum">
+              <a:rPr lang="en-US" smtClean="0"/>
+              <a:t>14</a:t>
+            </a:fld>
+            <a:endParaRPr lang="en-US"/>
+          </a:p>
+        </p:txBody>
+      </p:sp>
+    </p:spTree>
+    <p:extLst>
+      <p:ext uri="{BB962C8B-B14F-4D97-AF65-F5344CB8AC3E}">
+        <p14:creationId xmlns:p14="http://schemas.microsoft.com/office/powerpoint/2010/main" val="3350194071"/>
+      </p:ext>
+    </p:extLst>
+  </p:cSld>
+  <p:clrMapOvr>
+    <a:masterClrMapping/>
+  </p:clrMapOvr>
+</p:sld>
+</file>
+
+<file path=ppt/slides/slide15.xml><?xml version="1.0" encoding="utf-8"?>
+<p:sld xmlns:a="http://schemas.openxmlformats.org/drawingml/2006/main" xmlns:r="http://schemas.openxmlformats.org/officeDocument/2006/relationships" xmlns:p="http://schemas.openxmlformats.org/presentationml/2006/main">
+  <p:cSld>
+    <p:spTree>
+      <p:nvGrpSpPr>
+        <p:cNvPr id="1" name=""/>
+        <p:cNvGrpSpPr/>
+        <p:nvPr/>
+      </p:nvGrpSpPr>
+      <p:grpSpPr>
+        <a:xfrm>
+          <a:off x="0" y="0"/>
+          <a:ext cx="0" cy="0"/>
+          <a:chOff x="0" y="0"/>
+          <a:chExt cx="0" cy="0"/>
+        </a:xfrm>
+      </p:grpSpPr>
+      <p:sp>
+        <p:nvSpPr>
+          <p:cNvPr id="2" name="Title 1">
+            <a:extLst>
+              <a:ext uri="{FF2B5EF4-FFF2-40B4-BE49-F238E27FC236}">
                 <a16:creationId xmlns:a16="http://schemas.microsoft.com/office/drawing/2014/main" id="{93F9E874-C9C9-99A2-AEC5-D756BFF745EA}"/>
               </a:ext>
             </a:extLst>
@@ -6684,7 +7171,7 @@
           <a:p>
             <a:fld id="{FAE858A7-4E67-4370-B4B5-094CAEAE4D8D}" type="slidenum">
               <a:rPr lang="en-US" smtClean="0"/>
-              <a:t>12</a:t>
+              <a:t>15</a:t>
             </a:fld>
             <a:endParaRPr lang="en-US" dirty="0"/>
           </a:p>
@@ -6834,6 +7321,9 @@
                     <a:lumOff val="40000"/>
                   </a:schemeClr>
                 </a:solidFill>
+                <a:highlight>
+                  <a:srgbClr val="808080"/>
+                </a:highlight>
               </a:rPr>
               <a:t>32</a:t>
             </a:r>
@@ -6876,6 +7366,9 @@
                     <a:lumOff val="40000"/>
                   </a:schemeClr>
                 </a:solidFill>
+                <a:highlight>
+                  <a:srgbClr val="808080"/>
+                </a:highlight>
               </a:rPr>
               <a:t>33</a:t>
             </a:r>
@@ -6918,6 +7411,9 @@
                     <a:lumOff val="40000"/>
                   </a:schemeClr>
                 </a:solidFill>
+                <a:highlight>
+                  <a:srgbClr val="808080"/>
+                </a:highlight>
               </a:rPr>
               <a:t>39</a:t>
             </a:r>
@@ -6996,6 +7492,9 @@
                     <a:lumOff val="40000"/>
                   </a:schemeClr>
                 </a:solidFill>
+                <a:highlight>
+                  <a:srgbClr val="808080"/>
+                </a:highlight>
               </a:rPr>
               <a:t>32</a:t>
             </a:r>
@@ -7088,7 +7587,7 @@
         </p:nvSpPr>
         <p:spPr>
           <a:xfrm>
-            <a:off x="2619455" y="5879068"/>
+            <a:off x="2619455" y="5837697"/>
             <a:ext cx="492790" cy="369332"/>
           </a:xfrm>
           <a:prstGeom prst="rect">
@@ -7110,6 +7609,9 @@
                     <a:lumOff val="40000"/>
                   </a:schemeClr>
                 </a:solidFill>
+                <a:highlight>
+                  <a:srgbClr val="808080"/>
+                </a:highlight>
               </a:rPr>
               <a:t>34</a:t>
             </a:r>
@@ -7152,6 +7654,9 @@
                     <a:lumOff val="40000"/>
                   </a:schemeClr>
                 </a:solidFill>
+                <a:highlight>
+                  <a:srgbClr val="808080"/>
+                </a:highlight>
               </a:rPr>
               <a:t>40</a:t>
             </a:r>
@@ -7300,7 +7805,7 @@
 </p:sld>
 </file>
 
-<file path=ppt/slides/slide13.xml><?xml version="1.0" encoding="utf-8"?>
+<file path=ppt/slides/slide16.xml><?xml version="1.0" encoding="utf-8"?>
 <p:sld xmlns:a="http://schemas.openxmlformats.org/drawingml/2006/main" xmlns:r="http://schemas.openxmlformats.org/officeDocument/2006/relationships" xmlns:p="http://schemas.openxmlformats.org/presentationml/2006/main">
   <p:cSld>
     <p:spTree>
@@ -7366,7 +7871,41 @@
           <a:bodyPr/>
           <a:lstStyle/>
           <a:p>
-            <a:endParaRPr lang="en-US"/>
+            <a:r>
+              <a:rPr lang="en-US" dirty="0"/>
+              <a:t>Similar to the Laplacian, all statistics were initially used, resulting in great performance. At 4 scales and 4 orientations, the filter produced an accuracy of 85.27%.</a:t>
+            </a:r>
+          </a:p>
+          <a:p>
+            <a:pPr lvl="1"/>
+            <a:r>
+              <a:rPr lang="en-US" dirty="0"/>
+              <a:t>The file “Gabor all stats all layers.txt” contains the output for each scale/orient</a:t>
+            </a:r>
+          </a:p>
+          <a:p>
+            <a:r>
+              <a:rPr lang="en-US" dirty="0"/>
+              <a:t>Testing mean only, the best PCC = 88.86% with 5 scales and 6 orientations</a:t>
+            </a:r>
+          </a:p>
+          <a:p>
+            <a:r>
+              <a:rPr lang="en-US" dirty="0"/>
+              <a:t>Testing variance only, best PCC = 79.39% with 4 scales and 4 orientations</a:t>
+            </a:r>
+          </a:p>
+          <a:p>
+            <a:r>
+              <a:rPr lang="en-US" dirty="0"/>
+              <a:t>Testing skewness only, best PCC = 59.78% accurate with 3 scales and 4 orientations</a:t>
+            </a:r>
+          </a:p>
+          <a:p>
+            <a:r>
+              <a:rPr lang="en-US" dirty="0"/>
+              <a:t>Testing kurtosis only, best PCC = 1.69% accurate at all scale and orientations</a:t>
+            </a:r>
           </a:p>
         </p:txBody>
       </p:sp>
@@ -7393,7 +7932,7 @@
           <a:p>
             <a:fld id="{FAE858A7-4E67-4370-B4B5-094CAEAE4D8D}" type="slidenum">
               <a:rPr lang="en-US" smtClean="0"/>
-              <a:t>13</a:t>
+              <a:t>16</a:t>
             </a:fld>
             <a:endParaRPr lang="en-US"/>
           </a:p>
@@ -7412,7 +7951,7 @@
 </p:sld>
 </file>
 
-<file path=ppt/slides/slide14.xml><?xml version="1.0" encoding="utf-8"?>
+<file path=ppt/slides/slide17.xml><?xml version="1.0" encoding="utf-8"?>
 <p:sld xmlns:a="http://schemas.openxmlformats.org/drawingml/2006/main" xmlns:r="http://schemas.openxmlformats.org/officeDocument/2006/relationships" xmlns:p="http://schemas.openxmlformats.org/presentationml/2006/main">
   <p:cSld>
     <p:spTree>
@@ -7434,7 +7973,7 @@
           <p:cNvPr id="2" name="Title 1">
             <a:extLst>
               <a:ext uri="{FF2B5EF4-FFF2-40B4-BE49-F238E27FC236}">
-                <a16:creationId xmlns:a16="http://schemas.microsoft.com/office/drawing/2014/main" id="{0978BC7C-0632-C147-305A-60B340730BF9}"/>
+                <a16:creationId xmlns:a16="http://schemas.microsoft.com/office/drawing/2014/main" id="{4F85D684-2C0E-93CB-2B90-BF6205E4C7C8}"/>
               </a:ext>
             </a:extLst>
           </p:cNvPr>
@@ -7452,7 +7991,7 @@
           <a:p>
             <a:r>
               <a:rPr lang="en-US" dirty="0"/>
-              <a:t>Discussion and Conclusion</a:t>
+              <a:t>Gabor</a:t>
             </a:r>
           </a:p>
         </p:txBody>
@@ -7462,7 +8001,7 @@
           <p:cNvPr id="3" name="Content Placeholder 2">
             <a:extLst>
               <a:ext uri="{FF2B5EF4-FFF2-40B4-BE49-F238E27FC236}">
-                <a16:creationId xmlns:a16="http://schemas.microsoft.com/office/drawing/2014/main" id="{66552094-2F2A-1B32-4380-C417359657E2}"/>
+                <a16:creationId xmlns:a16="http://schemas.microsoft.com/office/drawing/2014/main" id="{90EA86DA-7DAB-6F64-D89F-2BA9B05DCA40}"/>
               </a:ext>
             </a:extLst>
           </p:cNvPr>
@@ -7480,34 +8019,36 @@
           <a:p>
             <a:r>
               <a:rPr lang="en-US" dirty="0"/>
-              <a:t>The matched filtering looks better to me than the Canny and the </a:t>
-            </a:r>
-            <a:r>
-              <a:rPr lang="en-US" dirty="0" err="1"/>
-              <a:t>LoG</a:t>
-            </a:r>
+              <a:t>Removing kurtosis due to its poor performance, the best Gabor PCC = 89.1% accurate with 4 scales and 4 orientations. </a:t>
+            </a:r>
+          </a:p>
+          <a:p>
             <a:r>
               <a:rPr lang="en-US" dirty="0"/>
-              <a:t>, but maybe I’m biased because I made it and I’m proud of it. </a:t>
-            </a:r>
-          </a:p>
-          <a:p>
+              <a:t>Removing Skewness as well resulted in the best Gabor PCC = 90.25% accurate with 4 scales and 4 orientations. </a:t>
+            </a:r>
+          </a:p>
+          <a:p>
+            <a:pPr lvl="1"/>
             <a:r>
               <a:rPr lang="en-US" dirty="0"/>
-              <a:t>I tried to optimize the threshold of the Canny filtering on both retina 1 and retina 2, but it only helped a little. Length filtering was more effective than manually changing the thresholding. </a:t>
-            </a:r>
-          </a:p>
-          <a:p>
-            <a:endParaRPr lang="en-US" dirty="0"/>
-          </a:p>
-        </p:txBody>
-      </p:sp>
-      <p:sp>
-        <p:nvSpPr>
-          <p:cNvPr id="5" name="Slide Number Placeholder 4">
+              <a:t>I tried adding in kurtosis again and re-ran the test. It had no effect on the results.</a:t>
+            </a:r>
+          </a:p>
+          <a:p>
+            <a:r>
+              <a:rPr lang="en-US" dirty="0"/>
+              <a:t>It appears that mean and variance are the most important statistics with 4 scales and 4 orientations being the optimal choice. </a:t>
+            </a:r>
+          </a:p>
+        </p:txBody>
+      </p:sp>
+      <p:sp>
+        <p:nvSpPr>
+          <p:cNvPr id="4" name="Slide Number Placeholder 3">
             <a:extLst>
               <a:ext uri="{FF2B5EF4-FFF2-40B4-BE49-F238E27FC236}">
-                <a16:creationId xmlns:a16="http://schemas.microsoft.com/office/drawing/2014/main" id="{C395C6EC-FE0F-0BC0-D4C5-51E09090E166}"/>
+                <a16:creationId xmlns:a16="http://schemas.microsoft.com/office/drawing/2014/main" id="{7CD7A942-86F6-90FE-5FA2-A93E9B31F292}"/>
               </a:ext>
             </a:extLst>
           </p:cNvPr>
@@ -7525,7 +8066,7 @@
           <a:p>
             <a:fld id="{FAE858A7-4E67-4370-B4B5-094CAEAE4D8D}" type="slidenum">
               <a:rPr lang="en-US" smtClean="0"/>
-              <a:t>14</a:t>
+              <a:t>17</a:t>
             </a:fld>
             <a:endParaRPr lang="en-US"/>
           </a:p>
@@ -7534,7 +8075,7 @@
     </p:spTree>
     <p:extLst>
       <p:ext uri="{BB962C8B-B14F-4D97-AF65-F5344CB8AC3E}">
-        <p14:creationId xmlns:p14="http://schemas.microsoft.com/office/powerpoint/2010/main" val="1321214935"/>
+        <p14:creationId xmlns:p14="http://schemas.microsoft.com/office/powerpoint/2010/main" val="2301513490"/>
       </p:ext>
     </p:extLst>
   </p:cSld>
@@ -7544,7 +8085,7 @@
 </p:sld>
 </file>
 
-<file path=ppt/slides/slide15.xml><?xml version="1.0" encoding="utf-8"?>
+<file path=ppt/slides/slide18.xml><?xml version="1.0" encoding="utf-8"?>
 <p:sld xmlns:a="http://schemas.openxmlformats.org/drawingml/2006/main" xmlns:r="http://schemas.openxmlformats.org/officeDocument/2006/relationships" xmlns:p="http://schemas.openxmlformats.org/presentationml/2006/main">
   <p:cSld>
     <p:spTree>
@@ -7566,7 +8107,7 @@
           <p:cNvPr id="2" name="Title 1">
             <a:extLst>
               <a:ext uri="{FF2B5EF4-FFF2-40B4-BE49-F238E27FC236}">
-                <a16:creationId xmlns:a16="http://schemas.microsoft.com/office/drawing/2014/main" id="{FF250D53-AC24-E1CC-A1C3-DE2218262E62}"/>
+                <a16:creationId xmlns:a16="http://schemas.microsoft.com/office/drawing/2014/main" id="{D53895DE-DAEF-45D1-544F-519CB140C76A}"/>
               </a:ext>
             </a:extLst>
           </p:cNvPr>
@@ -7584,8 +8125,74 @@
           <a:p>
             <a:r>
               <a:rPr lang="en-US" dirty="0"/>
-              <a:t>Appendix – Code – Main file</a:t>
-            </a:r>
+              <a:t>Mislabel Observations – Gabor </a:t>
+            </a:r>
+          </a:p>
+        </p:txBody>
+      </p:sp>
+      <p:sp>
+        <p:nvSpPr>
+          <p:cNvPr id="3" name="Content Placeholder 2">
+            <a:extLst>
+              <a:ext uri="{FF2B5EF4-FFF2-40B4-BE49-F238E27FC236}">
+                <a16:creationId xmlns:a16="http://schemas.microsoft.com/office/drawing/2014/main" id="{002C1F13-D67B-961A-778D-F4D4D23495ED}"/>
+              </a:ext>
+            </a:extLst>
+          </p:cNvPr>
+          <p:cNvSpPr>
+            <a:spLocks noGrp="1"/>
+          </p:cNvSpPr>
+          <p:nvPr>
+            <p:ph idx="1"/>
+          </p:nvPr>
+        </p:nvSpPr>
+        <p:spPr/>
+        <p:txBody>
+          <a:bodyPr/>
+          <a:lstStyle/>
+          <a:p>
+            <a:r>
+              <a:rPr lang="en-US" dirty="0"/>
+              <a:t>As with the Laplacian, I modified the code to only run at 4 scales and 4 orientations, then checked for mislabeled textures.</a:t>
+            </a:r>
+          </a:p>
+          <a:p>
+            <a:pPr lvl="1"/>
+            <a:r>
+              <a:rPr lang="en-US" dirty="0"/>
+              <a:t>Texture 10 was misclassified to texture 11 a total of 55 times, the most by far. </a:t>
+            </a:r>
+          </a:p>
+          <a:p>
+            <a:pPr lvl="1"/>
+            <a:r>
+              <a:rPr lang="en-US" dirty="0"/>
+              <a:t>Texture 13 was misclassified to texture 12 a total of 39 times</a:t>
+            </a:r>
+          </a:p>
+          <a:p>
+            <a:pPr lvl="1"/>
+            <a:r>
+              <a:rPr lang="en-US" dirty="0"/>
+              <a:t>Texture 15 was misclassified to texture 14 a total of 26 times</a:t>
+            </a:r>
+          </a:p>
+          <a:p>
+            <a:r>
+              <a:rPr lang="en-US" dirty="0"/>
+              <a:t>As seen next slide, these textures are quite similar in structure. 10 and 11 and 13 and 12 are very structurally similar but inverted from each other.</a:t>
+            </a:r>
+          </a:p>
+          <a:p>
+            <a:pPr lvl="1"/>
+            <a:r>
+              <a:rPr lang="en-US" dirty="0"/>
+              <a:t>However, I’m not sure I could tell 15 and 14 apart unless they were side-by-side as shown.</a:t>
+            </a:r>
+          </a:p>
+          <a:p>
+            <a:pPr lvl="1"/>
+            <a:endParaRPr lang="en-US" dirty="0"/>
           </a:p>
         </p:txBody>
       </p:sp>
@@ -7594,7 +8201,7 @@
           <p:cNvPr id="4" name="Slide Number Placeholder 3">
             <a:extLst>
               <a:ext uri="{FF2B5EF4-FFF2-40B4-BE49-F238E27FC236}">
-                <a16:creationId xmlns:a16="http://schemas.microsoft.com/office/drawing/2014/main" id="{4BEAEDAB-60F8-9CDF-1300-8B3401975142}"/>
+                <a16:creationId xmlns:a16="http://schemas.microsoft.com/office/drawing/2014/main" id="{FD229CA6-0D4F-D06C-08A8-043D257ABBC0}"/>
               </a:ext>
             </a:extLst>
           </p:cNvPr>
@@ -7612,7 +8219,7 @@
           <a:p>
             <a:fld id="{FAE858A7-4E67-4370-B4B5-094CAEAE4D8D}" type="slidenum">
               <a:rPr lang="en-US" smtClean="0"/>
-              <a:t>15</a:t>
+              <a:t>18</a:t>
             </a:fld>
             <a:endParaRPr lang="en-US"/>
           </a:p>
@@ -7621,7 +8228,707 @@
     </p:spTree>
     <p:extLst>
       <p:ext uri="{BB962C8B-B14F-4D97-AF65-F5344CB8AC3E}">
-        <p14:creationId xmlns:p14="http://schemas.microsoft.com/office/powerpoint/2010/main" val="2220207043"/>
+        <p14:creationId xmlns:p14="http://schemas.microsoft.com/office/powerpoint/2010/main" val="2356872282"/>
+      </p:ext>
+    </p:extLst>
+  </p:cSld>
+  <p:clrMapOvr>
+    <a:masterClrMapping/>
+  </p:clrMapOvr>
+</p:sld>
+</file>
+
+<file path=ppt/slides/slide19.xml><?xml version="1.0" encoding="utf-8"?>
+<p:sld xmlns:a="http://schemas.openxmlformats.org/drawingml/2006/main" xmlns:r="http://schemas.openxmlformats.org/officeDocument/2006/relationships" xmlns:p="http://schemas.openxmlformats.org/presentationml/2006/main">
+  <p:cSld>
+    <p:spTree>
+      <p:nvGrpSpPr>
+        <p:cNvPr id="1" name=""/>
+        <p:cNvGrpSpPr/>
+        <p:nvPr/>
+      </p:nvGrpSpPr>
+      <p:grpSpPr>
+        <a:xfrm>
+          <a:off x="0" y="0"/>
+          <a:ext cx="0" cy="0"/>
+          <a:chOff x="0" y="0"/>
+          <a:chExt cx="0" cy="0"/>
+        </a:xfrm>
+      </p:grpSpPr>
+      <p:pic>
+        <p:nvPicPr>
+          <p:cNvPr id="24" name="Picture 23" descr="A close-up of a black and white texture&#10;&#10;Description automatically generated">
+            <a:extLst>
+              <a:ext uri="{FF2B5EF4-FFF2-40B4-BE49-F238E27FC236}">
+                <a16:creationId xmlns:a16="http://schemas.microsoft.com/office/drawing/2014/main" id="{2CB6534C-937E-3725-22DD-BB4098269418}"/>
+              </a:ext>
+            </a:extLst>
+          </p:cNvPr>
+          <p:cNvPicPr>
+            <a:picLocks noChangeAspect="1"/>
+          </p:cNvPicPr>
+          <p:nvPr/>
+        </p:nvPicPr>
+        <p:blipFill>
+          <a:blip r:embed="rId2">
+            <a:extLst>
+              <a:ext uri="{28A0092B-C50C-407E-A947-70E740481C1C}">
+                <a14:useLocalDpi xmlns:a14="http://schemas.microsoft.com/office/drawing/2010/main" val="0"/>
+              </a:ext>
+            </a:extLst>
+          </a:blip>
+          <a:stretch>
+            <a:fillRect/>
+          </a:stretch>
+        </p:blipFill>
+        <p:spPr>
+          <a:xfrm>
+            <a:off x="6986509" y="3948118"/>
+            <a:ext cx="2093243" cy="2093243"/>
+          </a:xfrm>
+          <a:prstGeom prst="rect">
+            <a:avLst/>
+          </a:prstGeom>
+        </p:spPr>
+      </p:pic>
+      <p:pic>
+        <p:nvPicPr>
+          <p:cNvPr id="22" name="Picture 21" descr="A close-up of a black and white grid&#10;&#10;Description automatically generated">
+            <a:extLst>
+              <a:ext uri="{FF2B5EF4-FFF2-40B4-BE49-F238E27FC236}">
+                <a16:creationId xmlns:a16="http://schemas.microsoft.com/office/drawing/2014/main" id="{B26ACB74-0773-99B6-722D-917BE969BDC9}"/>
+              </a:ext>
+            </a:extLst>
+          </p:cNvPr>
+          <p:cNvPicPr>
+            <a:picLocks noChangeAspect="1"/>
+          </p:cNvPicPr>
+          <p:nvPr/>
+        </p:nvPicPr>
+        <p:blipFill>
+          <a:blip r:embed="rId3">
+            <a:extLst>
+              <a:ext uri="{28A0092B-C50C-407E-A947-70E740481C1C}">
+                <a14:useLocalDpi xmlns:a14="http://schemas.microsoft.com/office/drawing/2010/main" val="0"/>
+              </a:ext>
+            </a:extLst>
+          </a:blip>
+          <a:stretch>
+            <a:fillRect/>
+          </a:stretch>
+        </p:blipFill>
+        <p:spPr>
+          <a:xfrm>
+            <a:off x="4002756" y="3948118"/>
+            <a:ext cx="2093243" cy="2093243"/>
+          </a:xfrm>
+          <a:prstGeom prst="rect">
+            <a:avLst/>
+          </a:prstGeom>
+        </p:spPr>
+      </p:pic>
+      <p:pic>
+        <p:nvPicPr>
+          <p:cNvPr id="20" name="Picture 19" descr="A black and white polka dot fabric&#10;&#10;Description automatically generated">
+            <a:extLst>
+              <a:ext uri="{FF2B5EF4-FFF2-40B4-BE49-F238E27FC236}">
+                <a16:creationId xmlns:a16="http://schemas.microsoft.com/office/drawing/2014/main" id="{66C9412B-FBF3-3E66-95C3-B6926B40F779}"/>
+              </a:ext>
+            </a:extLst>
+          </p:cNvPr>
+          <p:cNvPicPr>
+            <a:picLocks noChangeAspect="1"/>
+          </p:cNvPicPr>
+          <p:nvPr/>
+        </p:nvPicPr>
+        <p:blipFill>
+          <a:blip r:embed="rId4">
+            <a:extLst>
+              <a:ext uri="{28A0092B-C50C-407E-A947-70E740481C1C}">
+                <a14:useLocalDpi xmlns:a14="http://schemas.microsoft.com/office/drawing/2010/main" val="0"/>
+              </a:ext>
+            </a:extLst>
+          </a:blip>
+          <a:stretch>
+            <a:fillRect/>
+          </a:stretch>
+        </p:blipFill>
+        <p:spPr>
+          <a:xfrm>
+            <a:off x="1019003" y="3946015"/>
+            <a:ext cx="2093243" cy="2093243"/>
+          </a:xfrm>
+          <a:prstGeom prst="rect">
+            <a:avLst/>
+          </a:prstGeom>
+        </p:spPr>
+      </p:pic>
+      <p:pic>
+        <p:nvPicPr>
+          <p:cNvPr id="14" name="Picture 13" descr="A close-up of a black and white texture&#10;&#10;Description automatically generated">
+            <a:extLst>
+              <a:ext uri="{FF2B5EF4-FFF2-40B4-BE49-F238E27FC236}">
+                <a16:creationId xmlns:a16="http://schemas.microsoft.com/office/drawing/2014/main" id="{72D0FE4F-0625-9CDE-7BAC-3B707F606A9C}"/>
+              </a:ext>
+            </a:extLst>
+          </p:cNvPr>
+          <p:cNvPicPr>
+            <a:picLocks noChangeAspect="1"/>
+          </p:cNvPicPr>
+          <p:nvPr/>
+        </p:nvPicPr>
+        <p:blipFill>
+          <a:blip r:embed="rId5">
+            <a:extLst>
+              <a:ext uri="{28A0092B-C50C-407E-A947-70E740481C1C}">
+                <a14:useLocalDpi xmlns:a14="http://schemas.microsoft.com/office/drawing/2010/main" val="0"/>
+              </a:ext>
+            </a:extLst>
+          </a:blip>
+          <a:stretch>
+            <a:fillRect/>
+          </a:stretch>
+        </p:blipFill>
+        <p:spPr>
+          <a:xfrm>
+            <a:off x="6986509" y="1471735"/>
+            <a:ext cx="2093244" cy="2093244"/>
+          </a:xfrm>
+          <a:prstGeom prst="rect">
+            <a:avLst/>
+          </a:prstGeom>
+        </p:spPr>
+      </p:pic>
+      <p:pic>
+        <p:nvPicPr>
+          <p:cNvPr id="8" name="Picture 7" descr="A close up of a white fabric&#10;&#10;Description automatically generated">
+            <a:extLst>
+              <a:ext uri="{FF2B5EF4-FFF2-40B4-BE49-F238E27FC236}">
+                <a16:creationId xmlns:a16="http://schemas.microsoft.com/office/drawing/2014/main" id="{F281A3A1-F639-9AEA-21FB-83604809AE93}"/>
+              </a:ext>
+            </a:extLst>
+          </p:cNvPr>
+          <p:cNvPicPr>
+            <a:picLocks noChangeAspect="1"/>
+          </p:cNvPicPr>
+          <p:nvPr/>
+        </p:nvPicPr>
+        <p:blipFill>
+          <a:blip r:embed="rId6">
+            <a:extLst>
+              <a:ext uri="{28A0092B-C50C-407E-A947-70E740481C1C}">
+                <a14:useLocalDpi xmlns:a14="http://schemas.microsoft.com/office/drawing/2010/main" val="0"/>
+              </a:ext>
+            </a:extLst>
+          </a:blip>
+          <a:stretch>
+            <a:fillRect/>
+          </a:stretch>
+        </p:blipFill>
+        <p:spPr>
+          <a:xfrm>
+            <a:off x="1019003" y="1471735"/>
+            <a:ext cx="2093244" cy="2093244"/>
+          </a:xfrm>
+          <a:prstGeom prst="rect">
+            <a:avLst/>
+          </a:prstGeom>
+        </p:spPr>
+      </p:pic>
+      <p:sp>
+        <p:nvSpPr>
+          <p:cNvPr id="2" name="Title 1">
+            <a:extLst>
+              <a:ext uri="{FF2B5EF4-FFF2-40B4-BE49-F238E27FC236}">
+                <a16:creationId xmlns:a16="http://schemas.microsoft.com/office/drawing/2014/main" id="{407A3C33-6006-FBFB-C4DD-73ADB62AD10D}"/>
+              </a:ext>
+            </a:extLst>
+          </p:cNvPr>
+          <p:cNvSpPr>
+            <a:spLocks noGrp="1"/>
+          </p:cNvSpPr>
+          <p:nvPr>
+            <p:ph type="title"/>
+          </p:nvPr>
+        </p:nvSpPr>
+        <p:spPr/>
+        <p:txBody>
+          <a:bodyPr/>
+          <a:lstStyle/>
+          <a:p>
+            <a:r>
+              <a:rPr lang="en-US" dirty="0"/>
+              <a:t>Mislabel Observations – Gabor </a:t>
+            </a:r>
+          </a:p>
+        </p:txBody>
+      </p:sp>
+      <p:sp>
+        <p:nvSpPr>
+          <p:cNvPr id="4" name="Slide Number Placeholder 3">
+            <a:extLst>
+              <a:ext uri="{FF2B5EF4-FFF2-40B4-BE49-F238E27FC236}">
+                <a16:creationId xmlns:a16="http://schemas.microsoft.com/office/drawing/2014/main" id="{45ACA4E7-A587-672D-B91C-32F60D15BA6F}"/>
+              </a:ext>
+            </a:extLst>
+          </p:cNvPr>
+          <p:cNvSpPr>
+            <a:spLocks noGrp="1"/>
+          </p:cNvSpPr>
+          <p:nvPr>
+            <p:ph type="sldNum" sz="quarter" idx="12"/>
+          </p:nvPr>
+        </p:nvSpPr>
+        <p:spPr/>
+        <p:txBody>
+          <a:bodyPr/>
+          <a:lstStyle/>
+          <a:p>
+            <a:fld id="{FAE858A7-4E67-4370-B4B5-094CAEAE4D8D}" type="slidenum">
+              <a:rPr lang="en-US" smtClean="0"/>
+              <a:t>19</a:t>
+            </a:fld>
+            <a:endParaRPr lang="en-US"/>
+          </a:p>
+        </p:txBody>
+      </p:sp>
+      <p:sp>
+        <p:nvSpPr>
+          <p:cNvPr id="5" name="TextBox 4">
+            <a:extLst>
+              <a:ext uri="{FF2B5EF4-FFF2-40B4-BE49-F238E27FC236}">
+                <a16:creationId xmlns:a16="http://schemas.microsoft.com/office/drawing/2014/main" id="{A02C9C54-CC23-5227-E56D-9BB2B00BB2E4}"/>
+              </a:ext>
+            </a:extLst>
+          </p:cNvPr>
+          <p:cNvSpPr txBox="1"/>
+          <p:nvPr/>
+        </p:nvSpPr>
+        <p:spPr>
+          <a:xfrm>
+            <a:off x="8586963" y="3195647"/>
+            <a:ext cx="492790" cy="369332"/>
+          </a:xfrm>
+          <a:prstGeom prst="rect">
+            <a:avLst/>
+          </a:prstGeom>
+          <a:noFill/>
+        </p:spPr>
+        <p:txBody>
+          <a:bodyPr wrap="square" rtlCol="0">
+            <a:spAutoFit/>
+          </a:bodyPr>
+          <a:lstStyle/>
+          <a:p>
+            <a:r>
+              <a:rPr lang="en-US" dirty="0">
+                <a:solidFill>
+                  <a:schemeClr val="accent3">
+                    <a:lumMod val="60000"/>
+                    <a:lumOff val="40000"/>
+                  </a:schemeClr>
+                </a:solidFill>
+                <a:highlight>
+                  <a:srgbClr val="808080"/>
+                </a:highlight>
+              </a:rPr>
+              <a:t>15</a:t>
+            </a:r>
+          </a:p>
+        </p:txBody>
+      </p:sp>
+      <p:sp>
+        <p:nvSpPr>
+          <p:cNvPr id="6" name="TextBox 5">
+            <a:extLst>
+              <a:ext uri="{FF2B5EF4-FFF2-40B4-BE49-F238E27FC236}">
+                <a16:creationId xmlns:a16="http://schemas.microsoft.com/office/drawing/2014/main" id="{0D9B3B53-3D22-3755-0B8E-B399D6D904F5}"/>
+              </a:ext>
+            </a:extLst>
+          </p:cNvPr>
+          <p:cNvSpPr txBox="1"/>
+          <p:nvPr/>
+        </p:nvSpPr>
+        <p:spPr>
+          <a:xfrm>
+            <a:off x="2619457" y="3195647"/>
+            <a:ext cx="492790" cy="369332"/>
+          </a:xfrm>
+          <a:prstGeom prst="rect">
+            <a:avLst/>
+          </a:prstGeom>
+          <a:noFill/>
+        </p:spPr>
+        <p:txBody>
+          <a:bodyPr wrap="square" rtlCol="0">
+            <a:spAutoFit/>
+          </a:bodyPr>
+          <a:lstStyle/>
+          <a:p>
+            <a:r>
+              <a:rPr lang="en-US" dirty="0">
+                <a:solidFill>
+                  <a:schemeClr val="accent3">
+                    <a:lumMod val="60000"/>
+                    <a:lumOff val="40000"/>
+                  </a:schemeClr>
+                </a:solidFill>
+                <a:highlight>
+                  <a:srgbClr val="808080"/>
+                </a:highlight>
+              </a:rPr>
+              <a:t>10</a:t>
+            </a:r>
+          </a:p>
+        </p:txBody>
+      </p:sp>
+      <p:pic>
+        <p:nvPicPr>
+          <p:cNvPr id="12" name="Picture 11" descr="A close-up of a black and white grid&#10;&#10;Description automatically generated">
+            <a:extLst>
+              <a:ext uri="{FF2B5EF4-FFF2-40B4-BE49-F238E27FC236}">
+                <a16:creationId xmlns:a16="http://schemas.microsoft.com/office/drawing/2014/main" id="{5EF21A22-B59D-2860-C04E-57CDB68271A7}"/>
+              </a:ext>
+            </a:extLst>
+          </p:cNvPr>
+          <p:cNvPicPr>
+            <a:picLocks noChangeAspect="1"/>
+          </p:cNvPicPr>
+          <p:nvPr/>
+        </p:nvPicPr>
+        <p:blipFill>
+          <a:blip r:embed="rId7">
+            <a:extLst>
+              <a:ext uri="{28A0092B-C50C-407E-A947-70E740481C1C}">
+                <a14:useLocalDpi xmlns:a14="http://schemas.microsoft.com/office/drawing/2010/main" val="0"/>
+              </a:ext>
+            </a:extLst>
+          </a:blip>
+          <a:stretch>
+            <a:fillRect/>
+          </a:stretch>
+        </p:blipFill>
+        <p:spPr>
+          <a:xfrm>
+            <a:off x="4002756" y="1471735"/>
+            <a:ext cx="2093244" cy="2093244"/>
+          </a:xfrm>
+          <a:prstGeom prst="rect">
+            <a:avLst/>
+          </a:prstGeom>
+        </p:spPr>
+      </p:pic>
+      <p:sp>
+        <p:nvSpPr>
+          <p:cNvPr id="15" name="TextBox 14">
+            <a:extLst>
+              <a:ext uri="{FF2B5EF4-FFF2-40B4-BE49-F238E27FC236}">
+                <a16:creationId xmlns:a16="http://schemas.microsoft.com/office/drawing/2014/main" id="{1C83AC2F-7A1B-E839-E55C-59965D1AEF8E}"/>
+              </a:ext>
+            </a:extLst>
+          </p:cNvPr>
+          <p:cNvSpPr txBox="1"/>
+          <p:nvPr/>
+        </p:nvSpPr>
+        <p:spPr>
+          <a:xfrm>
+            <a:off x="5603210" y="3195647"/>
+            <a:ext cx="492790" cy="369332"/>
+          </a:xfrm>
+          <a:prstGeom prst="rect">
+            <a:avLst/>
+          </a:prstGeom>
+          <a:noFill/>
+        </p:spPr>
+        <p:txBody>
+          <a:bodyPr wrap="square" rtlCol="0">
+            <a:spAutoFit/>
+          </a:bodyPr>
+          <a:lstStyle/>
+          <a:p>
+            <a:r>
+              <a:rPr lang="en-US" dirty="0">
+                <a:solidFill>
+                  <a:schemeClr val="accent3">
+                    <a:lumMod val="60000"/>
+                    <a:lumOff val="40000"/>
+                  </a:schemeClr>
+                </a:solidFill>
+                <a:highlight>
+                  <a:srgbClr val="808080"/>
+                </a:highlight>
+              </a:rPr>
+              <a:t>13</a:t>
+            </a:r>
+          </a:p>
+        </p:txBody>
+      </p:sp>
+      <p:sp>
+        <p:nvSpPr>
+          <p:cNvPr id="16" name="TextBox 15">
+            <a:extLst>
+              <a:ext uri="{FF2B5EF4-FFF2-40B4-BE49-F238E27FC236}">
+                <a16:creationId xmlns:a16="http://schemas.microsoft.com/office/drawing/2014/main" id="{0131179A-459C-4462-20AE-2191B3F2B48D}"/>
+              </a:ext>
+            </a:extLst>
+          </p:cNvPr>
+          <p:cNvSpPr txBox="1"/>
+          <p:nvPr/>
+        </p:nvSpPr>
+        <p:spPr>
+          <a:xfrm>
+            <a:off x="2634403" y="5669926"/>
+            <a:ext cx="492790" cy="369332"/>
+          </a:xfrm>
+          <a:prstGeom prst="rect">
+            <a:avLst/>
+          </a:prstGeom>
+          <a:noFill/>
+        </p:spPr>
+        <p:txBody>
+          <a:bodyPr wrap="square" rtlCol="0">
+            <a:spAutoFit/>
+          </a:bodyPr>
+          <a:lstStyle/>
+          <a:p>
+            <a:r>
+              <a:rPr lang="en-US" dirty="0">
+                <a:solidFill>
+                  <a:schemeClr val="accent3">
+                    <a:lumMod val="60000"/>
+                    <a:lumOff val="40000"/>
+                  </a:schemeClr>
+                </a:solidFill>
+                <a:highlight>
+                  <a:srgbClr val="808080"/>
+                </a:highlight>
+              </a:rPr>
+              <a:t>11</a:t>
+            </a:r>
+          </a:p>
+        </p:txBody>
+      </p:sp>
+      <p:sp>
+        <p:nvSpPr>
+          <p:cNvPr id="17" name="TextBox 16">
+            <a:extLst>
+              <a:ext uri="{FF2B5EF4-FFF2-40B4-BE49-F238E27FC236}">
+                <a16:creationId xmlns:a16="http://schemas.microsoft.com/office/drawing/2014/main" id="{71681ED2-7D1B-3370-1629-746AFBB4AB9D}"/>
+              </a:ext>
+            </a:extLst>
+          </p:cNvPr>
+          <p:cNvSpPr txBox="1"/>
+          <p:nvPr/>
+        </p:nvSpPr>
+        <p:spPr>
+          <a:xfrm>
+            <a:off x="5603210" y="5669926"/>
+            <a:ext cx="492790" cy="369332"/>
+          </a:xfrm>
+          <a:prstGeom prst="rect">
+            <a:avLst/>
+          </a:prstGeom>
+          <a:noFill/>
+        </p:spPr>
+        <p:txBody>
+          <a:bodyPr wrap="square" rtlCol="0">
+            <a:spAutoFit/>
+          </a:bodyPr>
+          <a:lstStyle/>
+          <a:p>
+            <a:r>
+              <a:rPr lang="en-US" dirty="0">
+                <a:solidFill>
+                  <a:schemeClr val="accent3">
+                    <a:lumMod val="60000"/>
+                    <a:lumOff val="40000"/>
+                  </a:schemeClr>
+                </a:solidFill>
+                <a:highlight>
+                  <a:srgbClr val="808080"/>
+                </a:highlight>
+              </a:rPr>
+              <a:t>12</a:t>
+            </a:r>
+          </a:p>
+        </p:txBody>
+      </p:sp>
+      <p:sp>
+        <p:nvSpPr>
+          <p:cNvPr id="18" name="TextBox 17">
+            <a:extLst>
+              <a:ext uri="{FF2B5EF4-FFF2-40B4-BE49-F238E27FC236}">
+                <a16:creationId xmlns:a16="http://schemas.microsoft.com/office/drawing/2014/main" id="{5A9339E7-5702-C1DD-20F8-73DA99A9CB81}"/>
+              </a:ext>
+            </a:extLst>
+          </p:cNvPr>
+          <p:cNvSpPr txBox="1"/>
+          <p:nvPr/>
+        </p:nvSpPr>
+        <p:spPr>
+          <a:xfrm>
+            <a:off x="8586962" y="5669926"/>
+            <a:ext cx="492790" cy="369332"/>
+          </a:xfrm>
+          <a:prstGeom prst="rect">
+            <a:avLst/>
+          </a:prstGeom>
+          <a:noFill/>
+        </p:spPr>
+        <p:txBody>
+          <a:bodyPr wrap="square" rtlCol="0">
+            <a:spAutoFit/>
+          </a:bodyPr>
+          <a:lstStyle/>
+          <a:p>
+            <a:r>
+              <a:rPr lang="en-US" dirty="0">
+                <a:solidFill>
+                  <a:schemeClr val="accent3">
+                    <a:lumMod val="60000"/>
+                    <a:lumOff val="40000"/>
+                  </a:schemeClr>
+                </a:solidFill>
+                <a:highlight>
+                  <a:srgbClr val="808080"/>
+                </a:highlight>
+              </a:rPr>
+              <a:t>14</a:t>
+            </a:r>
+          </a:p>
+        </p:txBody>
+      </p:sp>
+      <p:cxnSp>
+        <p:nvCxnSpPr>
+          <p:cNvPr id="27" name="Straight Arrow Connector 26">
+            <a:extLst>
+              <a:ext uri="{FF2B5EF4-FFF2-40B4-BE49-F238E27FC236}">
+                <a16:creationId xmlns:a16="http://schemas.microsoft.com/office/drawing/2014/main" id="{E93F0995-8E7F-3631-9145-BEB65D265838}"/>
+              </a:ext>
+            </a:extLst>
+          </p:cNvPr>
+          <p:cNvCxnSpPr>
+            <a:stCxn id="8" idx="2"/>
+            <a:endCxn id="20" idx="0"/>
+          </p:cNvCxnSpPr>
+          <p:nvPr/>
+        </p:nvCxnSpPr>
+        <p:spPr>
+          <a:xfrm>
+            <a:off x="2065625" y="3564979"/>
+            <a:ext cx="0" cy="381036"/>
+          </a:xfrm>
+          <a:prstGeom prst="straightConnector1">
+            <a:avLst/>
+          </a:prstGeom>
+          <a:ln>
+            <a:tailEnd type="triangle"/>
+          </a:ln>
+        </p:spPr>
+        <p:style>
+          <a:lnRef idx="1">
+            <a:schemeClr val="accent1"/>
+          </a:lnRef>
+          <a:fillRef idx="0">
+            <a:schemeClr val="accent1"/>
+          </a:fillRef>
+          <a:effectRef idx="0">
+            <a:schemeClr val="accent1"/>
+          </a:effectRef>
+          <a:fontRef idx="minor">
+            <a:schemeClr val="tx1"/>
+          </a:fontRef>
+        </p:style>
+      </p:cxnSp>
+      <p:cxnSp>
+        <p:nvCxnSpPr>
+          <p:cNvPr id="30" name="Straight Arrow Connector 29">
+            <a:extLst>
+              <a:ext uri="{FF2B5EF4-FFF2-40B4-BE49-F238E27FC236}">
+                <a16:creationId xmlns:a16="http://schemas.microsoft.com/office/drawing/2014/main" id="{2734829A-9749-C767-4D20-A430E2F3843B}"/>
+              </a:ext>
+            </a:extLst>
+          </p:cNvPr>
+          <p:cNvCxnSpPr>
+            <a:cxnSpLocks/>
+            <a:stCxn id="12" idx="2"/>
+            <a:endCxn id="22" idx="0"/>
+          </p:cNvCxnSpPr>
+          <p:nvPr/>
+        </p:nvCxnSpPr>
+        <p:spPr>
+          <a:xfrm>
+            <a:off x="5049378" y="3564979"/>
+            <a:ext cx="0" cy="383139"/>
+          </a:xfrm>
+          <a:prstGeom prst="straightConnector1">
+            <a:avLst/>
+          </a:prstGeom>
+          <a:ln>
+            <a:tailEnd type="triangle"/>
+          </a:ln>
+        </p:spPr>
+        <p:style>
+          <a:lnRef idx="1">
+            <a:schemeClr val="accent1"/>
+          </a:lnRef>
+          <a:fillRef idx="0">
+            <a:schemeClr val="accent1"/>
+          </a:fillRef>
+          <a:effectRef idx="0">
+            <a:schemeClr val="accent1"/>
+          </a:effectRef>
+          <a:fontRef idx="minor">
+            <a:schemeClr val="tx1"/>
+          </a:fontRef>
+        </p:style>
+      </p:cxnSp>
+      <p:cxnSp>
+        <p:nvCxnSpPr>
+          <p:cNvPr id="33" name="Straight Arrow Connector 32">
+            <a:extLst>
+              <a:ext uri="{FF2B5EF4-FFF2-40B4-BE49-F238E27FC236}">
+                <a16:creationId xmlns:a16="http://schemas.microsoft.com/office/drawing/2014/main" id="{9C72C0DF-35B8-4704-60F2-74AB5285872B}"/>
+              </a:ext>
+            </a:extLst>
+          </p:cNvPr>
+          <p:cNvCxnSpPr>
+            <a:stCxn id="14" idx="2"/>
+            <a:endCxn id="24" idx="0"/>
+          </p:cNvCxnSpPr>
+          <p:nvPr/>
+        </p:nvCxnSpPr>
+        <p:spPr>
+          <a:xfrm>
+            <a:off x="8033131" y="3564979"/>
+            <a:ext cx="0" cy="383139"/>
+          </a:xfrm>
+          <a:prstGeom prst="straightConnector1">
+            <a:avLst/>
+          </a:prstGeom>
+          <a:ln>
+            <a:tailEnd type="triangle"/>
+          </a:ln>
+        </p:spPr>
+        <p:style>
+          <a:lnRef idx="1">
+            <a:schemeClr val="accent1"/>
+          </a:lnRef>
+          <a:fillRef idx="0">
+            <a:schemeClr val="accent1"/>
+          </a:fillRef>
+          <a:effectRef idx="0">
+            <a:schemeClr val="accent1"/>
+          </a:effectRef>
+          <a:fontRef idx="minor">
+            <a:schemeClr val="tx1"/>
+          </a:fontRef>
+        </p:style>
+      </p:cxnSp>
+    </p:spTree>
+    <p:extLst>
+      <p:ext uri="{BB962C8B-B14F-4D97-AF65-F5344CB8AC3E}">
+        <p14:creationId xmlns:p14="http://schemas.microsoft.com/office/powerpoint/2010/main" val="4047375381"/>
       </p:ext>
     </p:extLst>
   </p:cSld>
@@ -7699,7 +9006,33 @@
           <a:p>
             <a:r>
               <a:rPr lang="en-US" dirty="0"/>
-              <a:t>For this project, </a:t>
+              <a:t>For this project, students are given 59 texture images</a:t>
+            </a:r>
+          </a:p>
+          <a:p>
+            <a:r>
+              <a:rPr lang="en-US" dirty="0"/>
+              <a:t>Feature vectors are calculated by extracting certain statistics (mean, variance, skewness, kurtosis) from the textures after two different methods of texture processing:</a:t>
+            </a:r>
+          </a:p>
+          <a:p>
+            <a:pPr lvl="1"/>
+            <a:r>
+              <a:rPr lang="en-US" dirty="0"/>
+              <a:t>Laplacian Pyramid</a:t>
+            </a:r>
+          </a:p>
+          <a:p>
+            <a:pPr lvl="1"/>
+            <a:r>
+              <a:rPr lang="en-US" dirty="0"/>
+              <a:t>Gabor Filter Bank</a:t>
+            </a:r>
+          </a:p>
+          <a:p>
+            <a:r>
+              <a:rPr lang="en-US" dirty="0"/>
+              <a:t>A percentage of correct classification (PCC) is calculated from the results to evaluate the filter performance under different statistic combinations. </a:t>
             </a:r>
           </a:p>
         </p:txBody>
@@ -7737,6 +9070,211 @@
     <p:extLst>
       <p:ext uri="{BB962C8B-B14F-4D97-AF65-F5344CB8AC3E}">
         <p14:creationId xmlns:p14="http://schemas.microsoft.com/office/powerpoint/2010/main" val="436677684"/>
+      </p:ext>
+    </p:extLst>
+  </p:cSld>
+  <p:clrMapOvr>
+    <a:masterClrMapping/>
+  </p:clrMapOvr>
+</p:sld>
+</file>
+
+<file path=ppt/slides/slide20.xml><?xml version="1.0" encoding="utf-8"?>
+<p:sld xmlns:a="http://schemas.openxmlformats.org/drawingml/2006/main" xmlns:r="http://schemas.openxmlformats.org/officeDocument/2006/relationships" xmlns:p="http://schemas.openxmlformats.org/presentationml/2006/main">
+  <p:cSld>
+    <p:spTree>
+      <p:nvGrpSpPr>
+        <p:cNvPr id="1" name=""/>
+        <p:cNvGrpSpPr/>
+        <p:nvPr/>
+      </p:nvGrpSpPr>
+      <p:grpSpPr>
+        <a:xfrm>
+          <a:off x="0" y="0"/>
+          <a:ext cx="0" cy="0"/>
+          <a:chOff x="0" y="0"/>
+          <a:chExt cx="0" cy="0"/>
+        </a:xfrm>
+      </p:grpSpPr>
+      <p:sp>
+        <p:nvSpPr>
+          <p:cNvPr id="2" name="Title 1">
+            <a:extLst>
+              <a:ext uri="{FF2B5EF4-FFF2-40B4-BE49-F238E27FC236}">
+                <a16:creationId xmlns:a16="http://schemas.microsoft.com/office/drawing/2014/main" id="{0978BC7C-0632-C147-305A-60B340730BF9}"/>
+              </a:ext>
+            </a:extLst>
+          </p:cNvPr>
+          <p:cNvSpPr>
+            <a:spLocks noGrp="1"/>
+          </p:cNvSpPr>
+          <p:nvPr>
+            <p:ph type="title"/>
+          </p:nvPr>
+        </p:nvSpPr>
+        <p:spPr/>
+        <p:txBody>
+          <a:bodyPr/>
+          <a:lstStyle/>
+          <a:p>
+            <a:r>
+              <a:rPr lang="en-US" dirty="0"/>
+              <a:t>Discussion and Conclusion</a:t>
+            </a:r>
+          </a:p>
+        </p:txBody>
+      </p:sp>
+      <p:sp>
+        <p:nvSpPr>
+          <p:cNvPr id="3" name="Content Placeholder 2">
+            <a:extLst>
+              <a:ext uri="{FF2B5EF4-FFF2-40B4-BE49-F238E27FC236}">
+                <a16:creationId xmlns:a16="http://schemas.microsoft.com/office/drawing/2014/main" id="{66552094-2F2A-1B32-4380-C417359657E2}"/>
+              </a:ext>
+            </a:extLst>
+          </p:cNvPr>
+          <p:cNvSpPr>
+            <a:spLocks noGrp="1"/>
+          </p:cNvSpPr>
+          <p:nvPr>
+            <p:ph idx="1"/>
+          </p:nvPr>
+        </p:nvSpPr>
+        <p:spPr/>
+        <p:txBody>
+          <a:bodyPr/>
+          <a:lstStyle/>
+          <a:p>
+            <a:r>
+              <a:rPr lang="en-US" dirty="0"/>
+              <a:t>Laplacian and Gabor both have good functionality, but clearly the Laplacian does not perform as well.</a:t>
+            </a:r>
+          </a:p>
+          <a:p>
+            <a:endParaRPr lang="en-US" dirty="0"/>
+          </a:p>
+        </p:txBody>
+      </p:sp>
+      <p:sp>
+        <p:nvSpPr>
+          <p:cNvPr id="5" name="Slide Number Placeholder 4">
+            <a:extLst>
+              <a:ext uri="{FF2B5EF4-FFF2-40B4-BE49-F238E27FC236}">
+                <a16:creationId xmlns:a16="http://schemas.microsoft.com/office/drawing/2014/main" id="{C395C6EC-FE0F-0BC0-D4C5-51E09090E166}"/>
+              </a:ext>
+            </a:extLst>
+          </p:cNvPr>
+          <p:cNvSpPr>
+            <a:spLocks noGrp="1"/>
+          </p:cNvSpPr>
+          <p:nvPr>
+            <p:ph type="sldNum" sz="quarter" idx="12"/>
+          </p:nvPr>
+        </p:nvSpPr>
+        <p:spPr/>
+        <p:txBody>
+          <a:bodyPr/>
+          <a:lstStyle/>
+          <a:p>
+            <a:fld id="{FAE858A7-4E67-4370-B4B5-094CAEAE4D8D}" type="slidenum">
+              <a:rPr lang="en-US" smtClean="0"/>
+              <a:t>20</a:t>
+            </a:fld>
+            <a:endParaRPr lang="en-US"/>
+          </a:p>
+        </p:txBody>
+      </p:sp>
+    </p:spTree>
+    <p:extLst>
+      <p:ext uri="{BB962C8B-B14F-4D97-AF65-F5344CB8AC3E}">
+        <p14:creationId xmlns:p14="http://schemas.microsoft.com/office/powerpoint/2010/main" val="1321214935"/>
+      </p:ext>
+    </p:extLst>
+  </p:cSld>
+  <p:clrMapOvr>
+    <a:masterClrMapping/>
+  </p:clrMapOvr>
+</p:sld>
+</file>
+
+<file path=ppt/slides/slide21.xml><?xml version="1.0" encoding="utf-8"?>
+<p:sld xmlns:a="http://schemas.openxmlformats.org/drawingml/2006/main" xmlns:r="http://schemas.openxmlformats.org/officeDocument/2006/relationships" xmlns:p="http://schemas.openxmlformats.org/presentationml/2006/main">
+  <p:cSld>
+    <p:spTree>
+      <p:nvGrpSpPr>
+        <p:cNvPr id="1" name=""/>
+        <p:cNvGrpSpPr/>
+        <p:nvPr/>
+      </p:nvGrpSpPr>
+      <p:grpSpPr>
+        <a:xfrm>
+          <a:off x="0" y="0"/>
+          <a:ext cx="0" cy="0"/>
+          <a:chOff x="0" y="0"/>
+          <a:chExt cx="0" cy="0"/>
+        </a:xfrm>
+      </p:grpSpPr>
+      <p:sp>
+        <p:nvSpPr>
+          <p:cNvPr id="2" name="Title 1">
+            <a:extLst>
+              <a:ext uri="{FF2B5EF4-FFF2-40B4-BE49-F238E27FC236}">
+                <a16:creationId xmlns:a16="http://schemas.microsoft.com/office/drawing/2014/main" id="{FF250D53-AC24-E1CC-A1C3-DE2218262E62}"/>
+              </a:ext>
+            </a:extLst>
+          </p:cNvPr>
+          <p:cNvSpPr>
+            <a:spLocks noGrp="1"/>
+          </p:cNvSpPr>
+          <p:nvPr>
+            <p:ph type="title"/>
+          </p:nvPr>
+        </p:nvSpPr>
+        <p:spPr/>
+        <p:txBody>
+          <a:bodyPr/>
+          <a:lstStyle/>
+          <a:p>
+            <a:r>
+              <a:rPr lang="en-US" dirty="0"/>
+              <a:t>Appendix – Code – Main file</a:t>
+            </a:r>
+          </a:p>
+        </p:txBody>
+      </p:sp>
+      <p:sp>
+        <p:nvSpPr>
+          <p:cNvPr id="4" name="Slide Number Placeholder 3">
+            <a:extLst>
+              <a:ext uri="{FF2B5EF4-FFF2-40B4-BE49-F238E27FC236}">
+                <a16:creationId xmlns:a16="http://schemas.microsoft.com/office/drawing/2014/main" id="{4BEAEDAB-60F8-9CDF-1300-8B3401975142}"/>
+              </a:ext>
+            </a:extLst>
+          </p:cNvPr>
+          <p:cNvSpPr>
+            <a:spLocks noGrp="1"/>
+          </p:cNvSpPr>
+          <p:nvPr>
+            <p:ph type="sldNum" sz="quarter" idx="12"/>
+          </p:nvPr>
+        </p:nvSpPr>
+        <p:spPr/>
+        <p:txBody>
+          <a:bodyPr/>
+          <a:lstStyle/>
+          <a:p>
+            <a:fld id="{FAE858A7-4E67-4370-B4B5-094CAEAE4D8D}" type="slidenum">
+              <a:rPr lang="en-US" smtClean="0"/>
+              <a:t>21</a:t>
+            </a:fld>
+            <a:endParaRPr lang="en-US"/>
+          </a:p>
+        </p:txBody>
+      </p:sp>
+    </p:spTree>
+    <p:extLst>
+      <p:ext uri="{BB962C8B-B14F-4D97-AF65-F5344CB8AC3E}">
+        <p14:creationId xmlns:p14="http://schemas.microsoft.com/office/powerpoint/2010/main" val="2220207043"/>
       </p:ext>
     </p:extLst>
   </p:cSld>
@@ -7877,10 +9415,10 @@
       </p:grpSpPr>
       <p:sp>
         <p:nvSpPr>
-          <p:cNvPr id="5" name="Title 4">
+          <p:cNvPr id="2" name="Title 1">
             <a:extLst>
               <a:ext uri="{FF2B5EF4-FFF2-40B4-BE49-F238E27FC236}">
-                <a16:creationId xmlns:a16="http://schemas.microsoft.com/office/drawing/2014/main" id="{3B23068E-E031-4C8F-DBC5-0D73D1B2F397}"/>
+                <a16:creationId xmlns:a16="http://schemas.microsoft.com/office/drawing/2014/main" id="{55175B88-31F0-5F96-321B-0EED5F409D2C}"/>
               </a:ext>
             </a:extLst>
           </p:cNvPr>
@@ -7898,17 +9436,17 @@
           <a:p>
             <a:r>
               <a:rPr lang="en-US" dirty="0"/>
-              <a:t>Experimental Results</a:t>
-            </a:r>
-          </a:p>
-        </p:txBody>
-      </p:sp>
-      <p:sp>
-        <p:nvSpPr>
-          <p:cNvPr id="6" name="Text Placeholder 5">
+              <a:t>Technical Background </a:t>
+            </a:r>
+          </a:p>
+        </p:txBody>
+      </p:sp>
+      <p:sp>
+        <p:nvSpPr>
+          <p:cNvPr id="3" name="Content Placeholder 2">
             <a:extLst>
               <a:ext uri="{FF2B5EF4-FFF2-40B4-BE49-F238E27FC236}">
-                <a16:creationId xmlns:a16="http://schemas.microsoft.com/office/drawing/2014/main" id="{4E5D5D9A-052B-E75B-B71E-CE1687B2449E}"/>
+                <a16:creationId xmlns:a16="http://schemas.microsoft.com/office/drawing/2014/main" id="{0FB23A22-214D-EAAD-BA17-AD9D16ECCD27}"/>
               </a:ext>
             </a:extLst>
           </p:cNvPr>
@@ -7916,7 +9454,7 @@
             <a:spLocks noGrp="1"/>
           </p:cNvSpPr>
           <p:nvPr>
-            <p:ph type="body" idx="1"/>
+            <p:ph idx="1"/>
           </p:nvPr>
         </p:nvSpPr>
         <p:spPr/>
@@ -7924,16 +9462,16 @@
           <a:bodyPr/>
           <a:lstStyle/>
           <a:p>
-            <a:endParaRPr lang="en-US"/>
-          </a:p>
-        </p:txBody>
-      </p:sp>
-      <p:sp>
-        <p:nvSpPr>
-          <p:cNvPr id="4" name="Slide Number Placeholder 3">
+            <a:endParaRPr lang="en-US" dirty="0"/>
+          </a:p>
+        </p:txBody>
+      </p:sp>
+      <p:sp>
+        <p:nvSpPr>
+          <p:cNvPr id="5" name="Slide Number Placeholder 4">
             <a:extLst>
               <a:ext uri="{FF2B5EF4-FFF2-40B4-BE49-F238E27FC236}">
-                <a16:creationId xmlns:a16="http://schemas.microsoft.com/office/drawing/2014/main" id="{65DF77CB-B6D2-23C7-56CC-1E43467B98A4}"/>
+                <a16:creationId xmlns:a16="http://schemas.microsoft.com/office/drawing/2014/main" id="{D7EFDD4C-433C-6D16-F6F1-DAF330878904}"/>
               </a:ext>
             </a:extLst>
           </p:cNvPr>
@@ -7960,7 +9498,7 @@
     </p:spTree>
     <p:extLst>
       <p:ext uri="{BB962C8B-B14F-4D97-AF65-F5344CB8AC3E}">
-        <p14:creationId xmlns:p14="http://schemas.microsoft.com/office/powerpoint/2010/main" val="22044305"/>
+        <p14:creationId xmlns:p14="http://schemas.microsoft.com/office/powerpoint/2010/main" val="2945255384"/>
       </p:ext>
     </p:extLst>
   </p:cSld>
@@ -7989,10 +9527,10 @@
       </p:grpSpPr>
       <p:sp>
         <p:nvSpPr>
-          <p:cNvPr id="5" name="Title 4">
+          <p:cNvPr id="2" name="Title 1">
             <a:extLst>
               <a:ext uri="{FF2B5EF4-FFF2-40B4-BE49-F238E27FC236}">
-                <a16:creationId xmlns:a16="http://schemas.microsoft.com/office/drawing/2014/main" id="{EBADF2D4-425F-3432-62B6-AB5DAC67848A}"/>
+                <a16:creationId xmlns:a16="http://schemas.microsoft.com/office/drawing/2014/main" id="{55175B88-31F0-5F96-321B-0EED5F409D2C}"/>
               </a:ext>
             </a:extLst>
           </p:cNvPr>
@@ -8010,17 +9548,17 @@
           <a:p>
             <a:r>
               <a:rPr lang="en-US" dirty="0"/>
-              <a:t>General process</a:t>
-            </a:r>
-          </a:p>
-        </p:txBody>
-      </p:sp>
-      <p:sp>
-        <p:nvSpPr>
-          <p:cNvPr id="6" name="Content Placeholder 5">
+              <a:t>Technical Background </a:t>
+            </a:r>
+          </a:p>
+        </p:txBody>
+      </p:sp>
+      <p:sp>
+        <p:nvSpPr>
+          <p:cNvPr id="3" name="Content Placeholder 2">
             <a:extLst>
               <a:ext uri="{FF2B5EF4-FFF2-40B4-BE49-F238E27FC236}">
-                <a16:creationId xmlns:a16="http://schemas.microsoft.com/office/drawing/2014/main" id="{06199DE9-861C-D872-01E9-0A035087C226}"/>
+                <a16:creationId xmlns:a16="http://schemas.microsoft.com/office/drawing/2014/main" id="{0FB23A22-214D-EAAD-BA17-AD9D16ECCD27}"/>
               </a:ext>
             </a:extLst>
           </p:cNvPr>
@@ -8036,19 +9574,16 @@
           <a:bodyPr/>
           <a:lstStyle/>
           <a:p>
-            <a:r>
-              <a:rPr lang="en-US" dirty="0"/>
-              <a:t>I</a:t>
-            </a:r>
-          </a:p>
-        </p:txBody>
-      </p:sp>
-      <p:sp>
-        <p:nvSpPr>
-          <p:cNvPr id="4" name="Slide Number Placeholder 3">
+            <a:endParaRPr lang="en-US" dirty="0"/>
+          </a:p>
+        </p:txBody>
+      </p:sp>
+      <p:sp>
+        <p:nvSpPr>
+          <p:cNvPr id="5" name="Slide Number Placeholder 4">
             <a:extLst>
               <a:ext uri="{FF2B5EF4-FFF2-40B4-BE49-F238E27FC236}">
-                <a16:creationId xmlns:a16="http://schemas.microsoft.com/office/drawing/2014/main" id="{76199A3C-4F35-3BD1-F235-DFC4C9391C8A}"/>
+                <a16:creationId xmlns:a16="http://schemas.microsoft.com/office/drawing/2014/main" id="{D7EFDD4C-433C-6D16-F6F1-DAF330878904}"/>
               </a:ext>
             </a:extLst>
           </p:cNvPr>
@@ -8075,7 +9610,7 @@
     </p:spTree>
     <p:extLst>
       <p:ext uri="{BB962C8B-B14F-4D97-AF65-F5344CB8AC3E}">
-        <p14:creationId xmlns:p14="http://schemas.microsoft.com/office/powerpoint/2010/main" val="1516397924"/>
+        <p14:creationId xmlns:p14="http://schemas.microsoft.com/office/powerpoint/2010/main" val="2922917693"/>
       </p:ext>
     </p:extLst>
   </p:cSld>
@@ -8104,10 +9639,10 @@
       </p:grpSpPr>
       <p:sp>
         <p:nvSpPr>
-          <p:cNvPr id="3" name="Title 2">
+          <p:cNvPr id="5" name="Title 4">
             <a:extLst>
               <a:ext uri="{FF2B5EF4-FFF2-40B4-BE49-F238E27FC236}">
-                <a16:creationId xmlns:a16="http://schemas.microsoft.com/office/drawing/2014/main" id="{0A6ED9D5-4D01-221A-05CA-AA59656D44F6}"/>
+                <a16:creationId xmlns:a16="http://schemas.microsoft.com/office/drawing/2014/main" id="{3B23068E-E031-4C8F-DBC5-0D73D1B2F397}"/>
               </a:ext>
             </a:extLst>
           </p:cNvPr>
@@ -8125,17 +9660,17 @@
           <a:p>
             <a:r>
               <a:rPr lang="en-US" dirty="0"/>
-              <a:t>Observations – Mean All Layers</a:t>
-            </a:r>
-          </a:p>
-        </p:txBody>
-      </p:sp>
-      <p:sp>
-        <p:nvSpPr>
-          <p:cNvPr id="7" name="Content Placeholder 6">
+              <a:t>Experimental Results</a:t>
+            </a:r>
+          </a:p>
+        </p:txBody>
+      </p:sp>
+      <p:sp>
+        <p:nvSpPr>
+          <p:cNvPr id="6" name="Text Placeholder 5">
             <a:extLst>
               <a:ext uri="{FF2B5EF4-FFF2-40B4-BE49-F238E27FC236}">
-                <a16:creationId xmlns:a16="http://schemas.microsoft.com/office/drawing/2014/main" id="{20001557-FA60-7D85-2BB8-88D7E1C2F492}"/>
+                <a16:creationId xmlns:a16="http://schemas.microsoft.com/office/drawing/2014/main" id="{4E5D5D9A-052B-E75B-B71E-CE1687B2449E}"/>
               </a:ext>
             </a:extLst>
           </p:cNvPr>
@@ -8143,74 +9678,24 @@
             <a:spLocks noGrp="1"/>
           </p:cNvSpPr>
           <p:nvPr>
-            <p:ph idx="1"/>
+            <p:ph type="body" idx="1"/>
           </p:nvPr>
         </p:nvSpPr>
         <p:spPr/>
         <p:txBody>
-          <a:bodyPr>
-            <a:normAutofit fontScale="92500" lnSpcReduction="20000"/>
-          </a:bodyPr>
-          <a:lstStyle/>
-          <a:p>
-            <a:r>
-              <a:rPr lang="en-US" dirty="0"/>
-              <a:t>Number of Layers = 1   10.7797</a:t>
-            </a:r>
-          </a:p>
-          <a:p>
-            <a:endParaRPr lang="en-US" dirty="0"/>
-          </a:p>
-          <a:p>
-            <a:r>
-              <a:rPr lang="en-US" dirty="0"/>
-              <a:t>Number of Layers = 2    2.8983</a:t>
-            </a:r>
-          </a:p>
-          <a:p>
-            <a:endParaRPr lang="en-US" dirty="0"/>
-          </a:p>
-          <a:p>
-            <a:r>
-              <a:rPr lang="en-US" dirty="0"/>
-              <a:t>Number of Layers = 3    2.5424</a:t>
-            </a:r>
-          </a:p>
-          <a:p>
-            <a:endParaRPr lang="en-US" dirty="0"/>
-          </a:p>
-          <a:p>
-            <a:r>
-              <a:rPr lang="en-US" dirty="0"/>
-              <a:t>Number of Layers = 4    2.5593</a:t>
-            </a:r>
-          </a:p>
-          <a:p>
-            <a:endParaRPr lang="en-US" dirty="0"/>
-          </a:p>
-          <a:p>
-            <a:r>
-              <a:rPr lang="en-US" dirty="0"/>
-              <a:t>Number of Layers = 5    2.8644</a:t>
-            </a:r>
-          </a:p>
-          <a:p>
-            <a:endParaRPr lang="en-US" dirty="0"/>
-          </a:p>
-          <a:p>
-            <a:r>
-              <a:rPr lang="en-US" dirty="0"/>
-              <a:t>Best Laplacian PCC is 10.780000% accurate with 1 Layers</a:t>
-            </a:r>
-          </a:p>
-        </p:txBody>
-      </p:sp>
-      <p:sp>
-        <p:nvSpPr>
-          <p:cNvPr id="2" name="Slide Number Placeholder 1">
+          <a:bodyPr/>
+          <a:lstStyle/>
+          <a:p>
+            <a:endParaRPr lang="en-US"/>
+          </a:p>
+        </p:txBody>
+      </p:sp>
+      <p:sp>
+        <p:nvSpPr>
+          <p:cNvPr id="4" name="Slide Number Placeholder 3">
             <a:extLst>
               <a:ext uri="{FF2B5EF4-FFF2-40B4-BE49-F238E27FC236}">
-                <a16:creationId xmlns:a16="http://schemas.microsoft.com/office/drawing/2014/main" id="{76E131D6-732B-A6A6-EC27-20DD088AC8B1}"/>
+                <a16:creationId xmlns:a16="http://schemas.microsoft.com/office/drawing/2014/main" id="{65DF77CB-B6D2-23C7-56CC-1E43467B98A4}"/>
               </a:ext>
             </a:extLst>
           </p:cNvPr>
@@ -8237,7 +9722,7 @@
     </p:spTree>
     <p:extLst>
       <p:ext uri="{BB962C8B-B14F-4D97-AF65-F5344CB8AC3E}">
-        <p14:creationId xmlns:p14="http://schemas.microsoft.com/office/powerpoint/2010/main" val="1394698432"/>
+        <p14:creationId xmlns:p14="http://schemas.microsoft.com/office/powerpoint/2010/main" val="22044305"/>
       </p:ext>
     </p:extLst>
   </p:cSld>
@@ -8266,10 +9751,10 @@
       </p:grpSpPr>
       <p:sp>
         <p:nvSpPr>
-          <p:cNvPr id="6" name="Title 5">
+          <p:cNvPr id="5" name="Title 4">
             <a:extLst>
               <a:ext uri="{FF2B5EF4-FFF2-40B4-BE49-F238E27FC236}">
-                <a16:creationId xmlns:a16="http://schemas.microsoft.com/office/drawing/2014/main" id="{6CE6A214-F671-652C-E904-D3EEBD96CB19}"/>
+                <a16:creationId xmlns:a16="http://schemas.microsoft.com/office/drawing/2014/main" id="{EBADF2D4-425F-3432-62B6-AB5DAC67848A}"/>
               </a:ext>
             </a:extLst>
           </p:cNvPr>
@@ -8287,17 +9772,17 @@
           <a:p>
             <a:r>
               <a:rPr lang="en-US" dirty="0"/>
-              <a:t>Observations – Variance All Layers</a:t>
-            </a:r>
-          </a:p>
-        </p:txBody>
-      </p:sp>
-      <p:sp>
-        <p:nvSpPr>
-          <p:cNvPr id="7" name="Content Placeholder 6">
+              <a:t>General process</a:t>
+            </a:r>
+          </a:p>
+        </p:txBody>
+      </p:sp>
+      <p:sp>
+        <p:nvSpPr>
+          <p:cNvPr id="6" name="Content Placeholder 5">
             <a:extLst>
               <a:ext uri="{FF2B5EF4-FFF2-40B4-BE49-F238E27FC236}">
-                <a16:creationId xmlns:a16="http://schemas.microsoft.com/office/drawing/2014/main" id="{99B16345-D877-FE81-27F0-BC411183D798}"/>
+                <a16:creationId xmlns:a16="http://schemas.microsoft.com/office/drawing/2014/main" id="{06199DE9-861C-D872-01E9-0A035087C226}"/>
               </a:ext>
             </a:extLst>
           </p:cNvPr>
@@ -8310,69 +9795,47 @@
         </p:nvSpPr>
         <p:spPr/>
         <p:txBody>
-          <a:bodyPr>
-            <a:normAutofit fontScale="92500" lnSpcReduction="20000"/>
-          </a:bodyPr>
+          <a:bodyPr/>
           <a:lstStyle/>
           <a:p>
             <a:r>
               <a:rPr lang="en-US" dirty="0"/>
-              <a:t>Number of Layers = 1   12.3390</a:t>
-            </a:r>
-          </a:p>
-          <a:p>
-            <a:endParaRPr lang="en-US" dirty="0"/>
-          </a:p>
-          <a:p>
+              <a:t>I first converted each image into a double and assigned to an array of images (640x640x59)</a:t>
+            </a:r>
+          </a:p>
+          <a:p>
+            <a:pPr lvl="1"/>
             <a:r>
               <a:rPr lang="en-US" dirty="0"/>
-              <a:t>Number of Layers = 2   39.7458</a:t>
-            </a:r>
-          </a:p>
-          <a:p>
-            <a:endParaRPr lang="en-US" dirty="0"/>
+              <a:t>Each image was further split into 100 blocks, resulting in a second array (64x64x5900) to be used for classification testing</a:t>
+            </a:r>
           </a:p>
           <a:p>
             <a:r>
               <a:rPr lang="en-US" dirty="0"/>
-              <a:t>Number of Layers = 3   50.5932</a:t>
-            </a:r>
-          </a:p>
-          <a:p>
-            <a:endParaRPr lang="en-US" dirty="0"/>
+              <a:t>Next, I calculated the Laplacian pyramid of each image and each block at various number of layers and saved the feature vectors in a file (one for each layer with 5 layers tested)</a:t>
+            </a:r>
           </a:p>
           <a:p>
             <a:r>
               <a:rPr lang="en-US" dirty="0"/>
-              <a:t>Number of Layers = 4   56.0169</a:t>
-            </a:r>
-          </a:p>
-          <a:p>
-            <a:endParaRPr lang="en-US" dirty="0"/>
+              <a:t>Next, I calculated the Gabor filter bank and found feature vectors for each scale/orientation combination from 1 scale one orientation to 5 scales 6 orientations. These were also saved to files (for a total of 30 combinations)</a:t>
+            </a:r>
           </a:p>
           <a:p>
             <a:r>
               <a:rPr lang="en-US" dirty="0"/>
-              <a:t>Number of Layers = 5   54.4068</a:t>
-            </a:r>
-          </a:p>
-          <a:p>
-            <a:endParaRPr lang="en-US" dirty="0"/>
-          </a:p>
-          <a:p>
-            <a:r>
-              <a:rPr lang="en-US" dirty="0"/>
-              <a:t>Best Laplacian PCC is 56.020000% accurate with 4 Layers</a:t>
-            </a:r>
-          </a:p>
-        </p:txBody>
-      </p:sp>
-      <p:sp>
-        <p:nvSpPr>
-          <p:cNvPr id="5" name="Slide Number Placeholder 4">
+              <a:t>Last, I classified the textures statistics from the feature vectors to find the best result. </a:t>
+            </a:r>
+          </a:p>
+        </p:txBody>
+      </p:sp>
+      <p:sp>
+        <p:nvSpPr>
+          <p:cNvPr id="4" name="Slide Number Placeholder 3">
             <a:extLst>
               <a:ext uri="{FF2B5EF4-FFF2-40B4-BE49-F238E27FC236}">
-                <a16:creationId xmlns:a16="http://schemas.microsoft.com/office/drawing/2014/main" id="{BDC554BC-4CE8-6077-7D9B-5B1B66D1817A}"/>
+                <a16:creationId xmlns:a16="http://schemas.microsoft.com/office/drawing/2014/main" id="{76199A3C-4F35-3BD1-F235-DFC4C9391C8A}"/>
               </a:ext>
             </a:extLst>
           </p:cNvPr>
@@ -8399,7 +9862,7 @@
     </p:spTree>
     <p:extLst>
       <p:ext uri="{BB962C8B-B14F-4D97-AF65-F5344CB8AC3E}">
-        <p14:creationId xmlns:p14="http://schemas.microsoft.com/office/powerpoint/2010/main" val="387152840"/>
+        <p14:creationId xmlns:p14="http://schemas.microsoft.com/office/powerpoint/2010/main" val="1516397924"/>
       </p:ext>
     </p:extLst>
   </p:cSld>
@@ -8431,7 +9894,7 @@
           <p:cNvPr id="2" name="Title 1">
             <a:extLst>
               <a:ext uri="{FF2B5EF4-FFF2-40B4-BE49-F238E27FC236}">
-                <a16:creationId xmlns:a16="http://schemas.microsoft.com/office/drawing/2014/main" id="{B1030559-28BB-66AD-2F26-8ABF17004FD0}"/>
+                <a16:creationId xmlns:a16="http://schemas.microsoft.com/office/drawing/2014/main" id="{A8DD6DB9-58E6-CE7A-F448-8A8A65CEA284}"/>
               </a:ext>
             </a:extLst>
           </p:cNvPr>
@@ -8449,7 +9912,7 @@
           <a:p>
             <a:r>
               <a:rPr lang="en-US" dirty="0"/>
-              <a:t>Observations – Skew all layers</a:t>
+              <a:t>Laplacian</a:t>
             </a:r>
           </a:p>
         </p:txBody>
@@ -8459,7 +9922,7 @@
           <p:cNvPr id="3" name="Content Placeholder 2">
             <a:extLst>
               <a:ext uri="{FF2B5EF4-FFF2-40B4-BE49-F238E27FC236}">
-                <a16:creationId xmlns:a16="http://schemas.microsoft.com/office/drawing/2014/main" id="{14C757AF-FC5C-6B9C-B060-0C4B046AF918}"/>
+                <a16:creationId xmlns:a16="http://schemas.microsoft.com/office/drawing/2014/main" id="{E1073942-84DB-90E9-52BF-6E95702A2BD7}"/>
               </a:ext>
             </a:extLst>
           </p:cNvPr>
@@ -8470,16 +9933,27 @@
             <p:ph idx="1"/>
           </p:nvPr>
         </p:nvSpPr>
-        <p:spPr/>
+        <p:spPr>
+          <a:xfrm>
+            <a:off x="677334" y="1407190"/>
+            <a:ext cx="8596668" cy="4841209"/>
+          </a:xfrm>
+        </p:spPr>
         <p:txBody>
           <a:bodyPr>
-            <a:normAutofit fontScale="92500" lnSpcReduction="20000"/>
+            <a:normAutofit fontScale="92500" lnSpcReduction="10000"/>
           </a:bodyPr>
           <a:lstStyle/>
           <a:p>
             <a:r>
               <a:rPr lang="en-US" dirty="0"/>
-              <a:t>Number of Layers = 1   15.7288</a:t>
+              <a:t>The Laplacian pyramid was first tested with all statistics, and it performed very poorly at all layers, output shown below. Following this, I tested individual statistics at all layers to see where they performed best, shown in following slides</a:t>
+            </a:r>
+          </a:p>
+          <a:p>
+            <a:r>
+              <a:rPr lang="en-US" dirty="0"/>
+              <a:t>Number of Layers = 1   43.2712</a:t>
             </a:r>
           </a:p>
           <a:p>
@@ -8488,7 +9962,7 @@
           <a:p>
             <a:r>
               <a:rPr lang="en-US" dirty="0"/>
-              <a:t>Number of Layers = 2   26.9322</a:t>
+              <a:t>Number of Layers = 2   10.3729</a:t>
             </a:r>
           </a:p>
           <a:p>
@@ -8497,7 +9971,7 @@
           <a:p>
             <a:r>
               <a:rPr lang="en-US" dirty="0"/>
-              <a:t>Number of Layers = 3   32.3559</a:t>
+              <a:t>Number of Layers = 3    8.5254</a:t>
             </a:r>
           </a:p>
           <a:p>
@@ -8506,7 +9980,7 @@
           <a:p>
             <a:r>
               <a:rPr lang="en-US" dirty="0"/>
-              <a:t>Number of Layers = 4   26.2542</a:t>
+              <a:t>Number of Layers = 4    7.5593</a:t>
             </a:r>
           </a:p>
           <a:p>
@@ -8515,7 +9989,7 @@
           <a:p>
             <a:r>
               <a:rPr lang="en-US" dirty="0"/>
-              <a:t>Number of Layers = 5   17.4068</a:t>
+              <a:t>Number of Layers = 5    7.7119</a:t>
             </a:r>
           </a:p>
           <a:p>
@@ -8524,7 +9998,7 @@
           <a:p>
             <a:r>
               <a:rPr lang="en-US" dirty="0"/>
-              <a:t>Best Laplacian PCC is 32.360000% accurate with 3 Layers</a:t>
+              <a:t>Best Laplacian PCC is 43.270000% accurate with 1 Layers</a:t>
             </a:r>
           </a:p>
         </p:txBody>
@@ -8534,7 +10008,7 @@
           <p:cNvPr id="4" name="Slide Number Placeholder 3">
             <a:extLst>
               <a:ext uri="{FF2B5EF4-FFF2-40B4-BE49-F238E27FC236}">
-                <a16:creationId xmlns:a16="http://schemas.microsoft.com/office/drawing/2014/main" id="{C0BF565F-E842-C37C-3FE0-F887D90695AC}"/>
+                <a16:creationId xmlns:a16="http://schemas.microsoft.com/office/drawing/2014/main" id="{BBAE94E6-3502-7DB3-3DFC-678A4223D527}"/>
               </a:ext>
             </a:extLst>
           </p:cNvPr>
@@ -8561,7 +10035,7 @@
     </p:spTree>
     <p:extLst>
       <p:ext uri="{BB962C8B-B14F-4D97-AF65-F5344CB8AC3E}">
-        <p14:creationId xmlns:p14="http://schemas.microsoft.com/office/powerpoint/2010/main" val="1010374374"/>
+        <p14:creationId xmlns:p14="http://schemas.microsoft.com/office/powerpoint/2010/main" val="375350324"/>
       </p:ext>
     </p:extLst>
   </p:cSld>
@@ -8590,10 +10064,10 @@
       </p:grpSpPr>
       <p:sp>
         <p:nvSpPr>
-          <p:cNvPr id="2" name="Title 1">
+          <p:cNvPr id="3" name="Title 2">
             <a:extLst>
               <a:ext uri="{FF2B5EF4-FFF2-40B4-BE49-F238E27FC236}">
-                <a16:creationId xmlns:a16="http://schemas.microsoft.com/office/drawing/2014/main" id="{F5212A34-2FCD-8ED9-70E7-1B09E675CF32}"/>
+                <a16:creationId xmlns:a16="http://schemas.microsoft.com/office/drawing/2014/main" id="{0A6ED9D5-4D01-221A-05CA-AA59656D44F6}"/>
               </a:ext>
             </a:extLst>
           </p:cNvPr>
@@ -8611,17 +10085,17 @@
           <a:p>
             <a:r>
               <a:rPr lang="en-US" dirty="0"/>
-              <a:t>Observations – Kurtosis all layers</a:t>
-            </a:r>
-          </a:p>
-        </p:txBody>
-      </p:sp>
-      <p:sp>
-        <p:nvSpPr>
-          <p:cNvPr id="3" name="Content Placeholder 2">
+              <a:t>Observations – Mean All Layers</a:t>
+            </a:r>
+          </a:p>
+        </p:txBody>
+      </p:sp>
+      <p:sp>
+        <p:nvSpPr>
+          <p:cNvPr id="7" name="Content Placeholder 6">
             <a:extLst>
               <a:ext uri="{FF2B5EF4-FFF2-40B4-BE49-F238E27FC236}">
-                <a16:creationId xmlns:a16="http://schemas.microsoft.com/office/drawing/2014/main" id="{15F0A204-B8E5-F70E-9B04-D59B3BB9824C}"/>
+                <a16:creationId xmlns:a16="http://schemas.microsoft.com/office/drawing/2014/main" id="{20001557-FA60-7D85-2BB8-88D7E1C2F492}"/>
               </a:ext>
             </a:extLst>
           </p:cNvPr>
@@ -8641,7 +10115,7 @@
           <a:p>
             <a:r>
               <a:rPr lang="en-US" dirty="0"/>
-              <a:t>Number of Layers = 1   14.8305</a:t>
+              <a:t>Number of Layers = 1   10.7797</a:t>
             </a:r>
           </a:p>
           <a:p>
@@ -8650,7 +10124,7 @@
           <a:p>
             <a:r>
               <a:rPr lang="en-US" dirty="0"/>
-              <a:t>Number of Layers = 2   33.8305</a:t>
+              <a:t>Number of Layers = 2    2.8983</a:t>
             </a:r>
           </a:p>
           <a:p>
@@ -8659,7 +10133,7 @@
           <a:p>
             <a:r>
               <a:rPr lang="en-US" dirty="0"/>
-              <a:t>Number of Layers = 3   34.1695</a:t>
+              <a:t>Number of Layers = 3    2.5424</a:t>
             </a:r>
           </a:p>
           <a:p>
@@ -8668,7 +10142,7 @@
           <a:p>
             <a:r>
               <a:rPr lang="en-US" dirty="0"/>
-              <a:t>Number of Layers = 4   21.0339</a:t>
+              <a:t>Number of Layers = 4    2.5593</a:t>
             </a:r>
           </a:p>
           <a:p>
@@ -8677,7 +10151,7 @@
           <a:p>
             <a:r>
               <a:rPr lang="en-US" dirty="0"/>
-              <a:t>Number of Layers = 5   15.1525</a:t>
+              <a:t>Number of Layers = 5    2.8644</a:t>
             </a:r>
           </a:p>
           <a:p>
@@ -8686,17 +10160,17 @@
           <a:p>
             <a:r>
               <a:rPr lang="en-US" dirty="0"/>
-              <a:t>Best Laplacian PCC is 34.170000% accurate with 3 Layers</a:t>
-            </a:r>
-          </a:p>
-        </p:txBody>
-      </p:sp>
-      <p:sp>
-        <p:nvSpPr>
-          <p:cNvPr id="4" name="Slide Number Placeholder 3">
+              <a:t>Best Laplacian PCC is 10.780000% accurate with 1 Layers</a:t>
+            </a:r>
+          </a:p>
+        </p:txBody>
+      </p:sp>
+      <p:sp>
+        <p:nvSpPr>
+          <p:cNvPr id="2" name="Slide Number Placeholder 1">
             <a:extLst>
               <a:ext uri="{FF2B5EF4-FFF2-40B4-BE49-F238E27FC236}">
-                <a16:creationId xmlns:a16="http://schemas.microsoft.com/office/drawing/2014/main" id="{8AD134FF-C139-1E4F-41C0-DACB8E5B52B8}"/>
+                <a16:creationId xmlns:a16="http://schemas.microsoft.com/office/drawing/2014/main" id="{76E131D6-732B-A6A6-EC27-20DD088AC8B1}"/>
               </a:ext>
             </a:extLst>
           </p:cNvPr>
@@ -8723,7 +10197,7 @@
     </p:spTree>
     <p:extLst>
       <p:ext uri="{BB962C8B-B14F-4D97-AF65-F5344CB8AC3E}">
-        <p14:creationId xmlns:p14="http://schemas.microsoft.com/office/powerpoint/2010/main" val="2551005335"/>
+        <p14:creationId xmlns:p14="http://schemas.microsoft.com/office/powerpoint/2010/main" val="1394698432"/>
       </p:ext>
     </p:extLst>
   </p:cSld>
